--- a/guacamole 介绍.pptx
+++ b/guacamole 介绍.pptx
@@ -5,12 +5,22 @@
     <p:sldMasterId id="2147483648" r:id="rId1"/>
   </p:sldMasterIdLst>
   <p:sldIdLst>
-    <p:sldId id="256" r:id="rId3"/>
-    <p:sldId id="257" r:id="rId4"/>
-    <p:sldId id="258" r:id="rId5"/>
-    <p:sldId id="259" r:id="rId6"/>
-    <p:sldId id="260" r:id="rId7"/>
-    <p:sldId id="261" r:id="rId8"/>
+    <p:sldId id="256" r:id="rId2"/>
+    <p:sldId id="257" r:id="rId3"/>
+    <p:sldId id="265" r:id="rId4"/>
+    <p:sldId id="268" r:id="rId5"/>
+    <p:sldId id="269" r:id="rId6"/>
+    <p:sldId id="270" r:id="rId7"/>
+    <p:sldId id="271" r:id="rId8"/>
+    <p:sldId id="258" r:id="rId9"/>
+    <p:sldId id="259" r:id="rId10"/>
+    <p:sldId id="260" r:id="rId11"/>
+    <p:sldId id="266" r:id="rId12"/>
+    <p:sldId id="261" r:id="rId13"/>
+    <p:sldId id="262" r:id="rId14"/>
+    <p:sldId id="263" r:id="rId15"/>
+    <p:sldId id="264" r:id="rId16"/>
+    <p:sldId id="267" r:id="rId17"/>
   </p:sldIdLst>
   <p:sldSz cx="12192000" cy="6858000"/>
   <p:notesSz cx="6858000" cy="9144000"/>
@@ -109,6 +119,38 @@
       </a:defRPr>
     </a:lvl9pPr>
   </p:defaultTextStyle>
+  <p:extLst>
+    <p:ext uri="{521415D9-36F7-43E2-AB2F-B90AF26B5E84}">
+      <p14:sectionLst xmlns:p14="http://schemas.microsoft.com/office/powerpoint/2010/main">
+        <p14:section name="Default Section" id="{5971DE62-5DA9-044E-A4FA-7AB4A93230DE}">
+          <p14:sldIdLst>
+            <p14:sldId id="256"/>
+            <p14:sldId id="257"/>
+            <p14:sldId id="265"/>
+            <p14:sldId id="268"/>
+            <p14:sldId id="269"/>
+            <p14:sldId id="270"/>
+            <p14:sldId id="271"/>
+            <p14:sldId id="258"/>
+            <p14:sldId id="259"/>
+            <p14:sldId id="260"/>
+            <p14:sldId id="266"/>
+            <p14:sldId id="261"/>
+            <p14:sldId id="262"/>
+            <p14:sldId id="263"/>
+            <p14:sldId id="264"/>
+            <p14:sldId id="267"/>
+          </p14:sldIdLst>
+        </p14:section>
+        <p14:section name="Untitled Section" id="{1C8F5DF9-33EC-094D-96D7-BC8A87472B31}">
+          <p14:sldIdLst/>
+        </p14:section>
+      </p14:sectionLst>
+    </p:ext>
+    <p:ext uri="{EFAFB233-063F-42B5-8137-9DF3F51BA10A}">
+      <p15:sldGuideLst xmlns:p15="http://schemas.microsoft.com/office/powerpoint/2012/main"/>
+    </p:ext>
+  </p:extLst>
 </p:presentation>
 </file>
 
@@ -154,10 +196,9 @@
           </a:lstStyle>
           <a:p>
             <a:r>
-              <a:rPr lang="zh-CN" altLang="en-US" smtClean="0"/>
+              <a:rPr lang="zh-CN" altLang="en-US"/>
               <a:t>单击此处编辑母版标题样式</a:t>
             </a:r>
-            <a:endParaRPr lang="zh-CN" altLang="en-US"/>
           </a:p>
         </p:txBody>
       </p:sp>
@@ -219,10 +260,9 @@
           </a:lstStyle>
           <a:p>
             <a:r>
-              <a:rPr lang="zh-CN" altLang="en-US" smtClean="0"/>
+              <a:rPr lang="zh-CN" altLang="en-US"/>
               <a:t>单击此处编辑母版副标题样式</a:t>
             </a:r>
-            <a:endParaRPr lang="zh-CN" altLang="en-US"/>
           </a:p>
         </p:txBody>
       </p:sp>
@@ -243,6 +283,7 @@
           <a:p>
             <a:fld id="{D997B5FA-0921-464F-AAE1-844C04324D75}" type="datetimeFigureOut">
               <a:rPr lang="zh-CN" altLang="en-US" smtClean="0"/>
+              <a:t>2018/8/6</a:t>
             </a:fld>
             <a:endParaRPr lang="zh-CN" altLang="en-US"/>
           </a:p>
@@ -284,6 +325,7 @@
           <a:p>
             <a:fld id="{565CE74E-AB26-4998-AD42-012C4C1AD076}" type="slidenum">
               <a:rPr lang="zh-CN" altLang="en-US" smtClean="0"/>
+              <a:t>‹#›</a:t>
             </a:fld>
             <a:endParaRPr lang="zh-CN" altLang="en-US"/>
           </a:p>
@@ -330,10 +372,9 @@
           <a:lstStyle/>
           <a:p>
             <a:r>
-              <a:rPr lang="zh-CN" altLang="en-US" smtClean="0"/>
+              <a:rPr lang="zh-CN" altLang="en-US"/>
               <a:t>单击此处编辑母版标题样式</a:t>
             </a:r>
-            <a:endParaRPr lang="zh-CN" altLang="en-US"/>
           </a:p>
         </p:txBody>
       </p:sp>
@@ -354,42 +395,37 @@
           <a:p>
             <a:pPr lvl="0"/>
             <a:r>
-              <a:rPr lang="zh-CN" altLang="en-US" smtClean="0"/>
+              <a:rPr lang="zh-CN" altLang="en-US"/>
               <a:t>单击此处编辑母版文本样式</a:t>
             </a:r>
-            <a:endParaRPr lang="zh-CN" altLang="en-US" smtClean="0"/>
           </a:p>
           <a:p>
             <a:pPr lvl="1"/>
             <a:r>
-              <a:rPr lang="zh-CN" altLang="en-US" smtClean="0"/>
+              <a:rPr lang="zh-CN" altLang="en-US"/>
               <a:t>第二级</a:t>
             </a:r>
-            <a:endParaRPr lang="zh-CN" altLang="en-US" smtClean="0"/>
           </a:p>
           <a:p>
             <a:pPr lvl="2"/>
             <a:r>
-              <a:rPr lang="zh-CN" altLang="en-US" smtClean="0"/>
+              <a:rPr lang="zh-CN" altLang="en-US"/>
               <a:t>第三级</a:t>
             </a:r>
-            <a:endParaRPr lang="zh-CN" altLang="en-US" smtClean="0"/>
           </a:p>
           <a:p>
             <a:pPr lvl="3"/>
             <a:r>
-              <a:rPr lang="zh-CN" altLang="en-US" smtClean="0"/>
+              <a:rPr lang="zh-CN" altLang="en-US"/>
               <a:t>第四级</a:t>
             </a:r>
-            <a:endParaRPr lang="zh-CN" altLang="en-US" smtClean="0"/>
           </a:p>
           <a:p>
             <a:pPr lvl="4"/>
             <a:r>
-              <a:rPr lang="zh-CN" altLang="en-US" smtClean="0"/>
+              <a:rPr lang="zh-CN" altLang="en-US"/>
               <a:t>第五级</a:t>
             </a:r>
-            <a:endParaRPr lang="zh-CN" altLang="en-US"/>
           </a:p>
         </p:txBody>
       </p:sp>
@@ -410,6 +446,7 @@
           <a:p>
             <a:fld id="{D997B5FA-0921-464F-AAE1-844C04324D75}" type="datetimeFigureOut">
               <a:rPr lang="zh-CN" altLang="en-US" smtClean="0"/>
+              <a:t>2018/8/6</a:t>
             </a:fld>
             <a:endParaRPr lang="zh-CN" altLang="en-US"/>
           </a:p>
@@ -451,6 +488,7 @@
           <a:p>
             <a:fld id="{565CE74E-AB26-4998-AD42-012C4C1AD076}" type="slidenum">
               <a:rPr lang="zh-CN" altLang="en-US" smtClean="0"/>
+              <a:t>‹#›</a:t>
             </a:fld>
             <a:endParaRPr lang="zh-CN" altLang="en-US"/>
           </a:p>
@@ -502,10 +540,9 @@
           <a:lstStyle/>
           <a:p>
             <a:r>
-              <a:rPr lang="zh-CN" altLang="en-US" smtClean="0"/>
+              <a:rPr lang="zh-CN" altLang="en-US"/>
               <a:t>单击此处编辑母版标题样式</a:t>
             </a:r>
-            <a:endParaRPr lang="zh-CN" altLang="en-US"/>
           </a:p>
         </p:txBody>
       </p:sp>
@@ -531,42 +568,37 @@
           <a:p>
             <a:pPr lvl="0"/>
             <a:r>
-              <a:rPr lang="zh-CN" altLang="en-US" smtClean="0"/>
+              <a:rPr lang="zh-CN" altLang="en-US"/>
               <a:t>单击此处编辑母版文本样式</a:t>
             </a:r>
-            <a:endParaRPr lang="zh-CN" altLang="en-US" smtClean="0"/>
           </a:p>
           <a:p>
             <a:pPr lvl="1"/>
             <a:r>
-              <a:rPr lang="zh-CN" altLang="en-US" smtClean="0"/>
+              <a:rPr lang="zh-CN" altLang="en-US"/>
               <a:t>第二级</a:t>
             </a:r>
-            <a:endParaRPr lang="zh-CN" altLang="en-US" smtClean="0"/>
           </a:p>
           <a:p>
             <a:pPr lvl="2"/>
             <a:r>
-              <a:rPr lang="zh-CN" altLang="en-US" smtClean="0"/>
+              <a:rPr lang="zh-CN" altLang="en-US"/>
               <a:t>第三级</a:t>
             </a:r>
-            <a:endParaRPr lang="zh-CN" altLang="en-US" smtClean="0"/>
           </a:p>
           <a:p>
             <a:pPr lvl="3"/>
             <a:r>
-              <a:rPr lang="zh-CN" altLang="en-US" smtClean="0"/>
+              <a:rPr lang="zh-CN" altLang="en-US"/>
               <a:t>第四级</a:t>
             </a:r>
-            <a:endParaRPr lang="zh-CN" altLang="en-US" smtClean="0"/>
           </a:p>
           <a:p>
             <a:pPr lvl="4"/>
             <a:r>
-              <a:rPr lang="zh-CN" altLang="en-US" smtClean="0"/>
+              <a:rPr lang="zh-CN" altLang="en-US"/>
               <a:t>第五级</a:t>
             </a:r>
-            <a:endParaRPr lang="zh-CN" altLang="en-US"/>
           </a:p>
         </p:txBody>
       </p:sp>
@@ -587,6 +619,7 @@
           <a:p>
             <a:fld id="{D997B5FA-0921-464F-AAE1-844C04324D75}" type="datetimeFigureOut">
               <a:rPr lang="zh-CN" altLang="en-US" smtClean="0"/>
+              <a:t>2018/8/6</a:t>
             </a:fld>
             <a:endParaRPr lang="zh-CN" altLang="en-US"/>
           </a:p>
@@ -628,6 +661,7 @@
           <a:p>
             <a:fld id="{565CE74E-AB26-4998-AD42-012C4C1AD076}" type="slidenum">
               <a:rPr lang="zh-CN" altLang="en-US" smtClean="0"/>
+              <a:t>‹#›</a:t>
             </a:fld>
             <a:endParaRPr lang="zh-CN" altLang="en-US"/>
           </a:p>
@@ -674,10 +708,9 @@
           <a:lstStyle/>
           <a:p>
             <a:r>
-              <a:rPr lang="zh-CN" altLang="en-US" smtClean="0"/>
+              <a:rPr lang="zh-CN" altLang="en-US"/>
               <a:t>单击此处编辑母版标题样式</a:t>
             </a:r>
-            <a:endParaRPr lang="zh-CN" altLang="en-US"/>
           </a:p>
         </p:txBody>
       </p:sp>
@@ -698,42 +731,37 @@
           <a:p>
             <a:pPr lvl="0"/>
             <a:r>
-              <a:rPr lang="zh-CN" altLang="en-US" smtClean="0"/>
+              <a:rPr lang="zh-CN" altLang="en-US"/>
               <a:t>单击此处编辑母版文本样式</a:t>
             </a:r>
-            <a:endParaRPr lang="zh-CN" altLang="en-US" smtClean="0"/>
           </a:p>
           <a:p>
             <a:pPr lvl="1"/>
             <a:r>
-              <a:rPr lang="zh-CN" altLang="en-US" smtClean="0"/>
+              <a:rPr lang="zh-CN" altLang="en-US"/>
               <a:t>第二级</a:t>
             </a:r>
-            <a:endParaRPr lang="zh-CN" altLang="en-US" smtClean="0"/>
           </a:p>
           <a:p>
             <a:pPr lvl="2"/>
             <a:r>
-              <a:rPr lang="zh-CN" altLang="en-US" smtClean="0"/>
+              <a:rPr lang="zh-CN" altLang="en-US"/>
               <a:t>第三级</a:t>
             </a:r>
-            <a:endParaRPr lang="zh-CN" altLang="en-US" smtClean="0"/>
           </a:p>
           <a:p>
             <a:pPr lvl="3"/>
             <a:r>
-              <a:rPr lang="zh-CN" altLang="en-US" smtClean="0"/>
+              <a:rPr lang="zh-CN" altLang="en-US"/>
               <a:t>第四级</a:t>
             </a:r>
-            <a:endParaRPr lang="zh-CN" altLang="en-US" smtClean="0"/>
           </a:p>
           <a:p>
             <a:pPr lvl="4"/>
             <a:r>
-              <a:rPr lang="zh-CN" altLang="en-US" smtClean="0"/>
+              <a:rPr lang="zh-CN" altLang="en-US"/>
               <a:t>第五级</a:t>
             </a:r>
-            <a:endParaRPr lang="zh-CN" altLang="en-US"/>
           </a:p>
         </p:txBody>
       </p:sp>
@@ -754,6 +782,7 @@
           <a:p>
             <a:fld id="{D997B5FA-0921-464F-AAE1-844C04324D75}" type="datetimeFigureOut">
               <a:rPr lang="zh-CN" altLang="en-US" smtClean="0"/>
+              <a:t>2018/8/6</a:t>
             </a:fld>
             <a:endParaRPr lang="zh-CN" altLang="en-US"/>
           </a:p>
@@ -795,6 +824,7 @@
           <a:p>
             <a:fld id="{565CE74E-AB26-4998-AD42-012C4C1AD076}" type="slidenum">
               <a:rPr lang="zh-CN" altLang="en-US" smtClean="0"/>
+              <a:t>‹#›</a:t>
             </a:fld>
             <a:endParaRPr lang="zh-CN" altLang="en-US"/>
           </a:p>
@@ -850,10 +880,9 @@
           </a:lstStyle>
           <a:p>
             <a:r>
-              <a:rPr lang="zh-CN" altLang="en-US" smtClean="0"/>
+              <a:rPr lang="zh-CN" altLang="en-US"/>
               <a:t>单击此处编辑母版标题样式</a:t>
             </a:r>
-            <a:endParaRPr lang="zh-CN" altLang="en-US"/>
           </a:p>
         </p:txBody>
       </p:sp>
@@ -970,10 +999,9 @@
           <a:p>
             <a:pPr lvl="0"/>
             <a:r>
-              <a:rPr lang="zh-CN" altLang="en-US" smtClean="0"/>
+              <a:rPr lang="zh-CN" altLang="en-US"/>
               <a:t>单击此处编辑母版文本样式</a:t>
             </a:r>
-            <a:endParaRPr lang="zh-CN" altLang="en-US" smtClean="0"/>
           </a:p>
         </p:txBody>
       </p:sp>
@@ -994,6 +1022,7 @@
           <a:p>
             <a:fld id="{D997B5FA-0921-464F-AAE1-844C04324D75}" type="datetimeFigureOut">
               <a:rPr lang="zh-CN" altLang="en-US" smtClean="0"/>
+              <a:t>2018/8/6</a:t>
             </a:fld>
             <a:endParaRPr lang="zh-CN" altLang="en-US"/>
           </a:p>
@@ -1035,6 +1064,7 @@
           <a:p>
             <a:fld id="{565CE74E-AB26-4998-AD42-012C4C1AD076}" type="slidenum">
               <a:rPr lang="zh-CN" altLang="en-US" smtClean="0"/>
+              <a:t>‹#›</a:t>
             </a:fld>
             <a:endParaRPr lang="zh-CN" altLang="en-US"/>
           </a:p>
@@ -1081,10 +1111,9 @@
           <a:lstStyle/>
           <a:p>
             <a:r>
-              <a:rPr lang="zh-CN" altLang="en-US" smtClean="0"/>
+              <a:rPr lang="zh-CN" altLang="en-US"/>
               <a:t>单击此处编辑母版标题样式</a:t>
             </a:r>
-            <a:endParaRPr lang="zh-CN" altLang="en-US"/>
           </a:p>
         </p:txBody>
       </p:sp>
@@ -1110,42 +1139,37 @@
           <a:p>
             <a:pPr lvl="0"/>
             <a:r>
-              <a:rPr lang="zh-CN" altLang="en-US" smtClean="0"/>
+              <a:rPr lang="zh-CN" altLang="en-US"/>
               <a:t>单击此处编辑母版文本样式</a:t>
             </a:r>
-            <a:endParaRPr lang="zh-CN" altLang="en-US" smtClean="0"/>
           </a:p>
           <a:p>
             <a:pPr lvl="1"/>
             <a:r>
-              <a:rPr lang="zh-CN" altLang="en-US" smtClean="0"/>
+              <a:rPr lang="zh-CN" altLang="en-US"/>
               <a:t>第二级</a:t>
             </a:r>
-            <a:endParaRPr lang="zh-CN" altLang="en-US" smtClean="0"/>
           </a:p>
           <a:p>
             <a:pPr lvl="2"/>
             <a:r>
-              <a:rPr lang="zh-CN" altLang="en-US" smtClean="0"/>
+              <a:rPr lang="zh-CN" altLang="en-US"/>
               <a:t>第三级</a:t>
             </a:r>
-            <a:endParaRPr lang="zh-CN" altLang="en-US" smtClean="0"/>
           </a:p>
           <a:p>
             <a:pPr lvl="3"/>
             <a:r>
-              <a:rPr lang="zh-CN" altLang="en-US" smtClean="0"/>
+              <a:rPr lang="zh-CN" altLang="en-US"/>
               <a:t>第四级</a:t>
             </a:r>
-            <a:endParaRPr lang="zh-CN" altLang="en-US" smtClean="0"/>
           </a:p>
           <a:p>
             <a:pPr lvl="4"/>
             <a:r>
-              <a:rPr lang="zh-CN" altLang="en-US" smtClean="0"/>
+              <a:rPr lang="zh-CN" altLang="en-US"/>
               <a:t>第五级</a:t>
             </a:r>
-            <a:endParaRPr lang="zh-CN" altLang="en-US"/>
           </a:p>
         </p:txBody>
       </p:sp>
@@ -1171,42 +1195,37 @@
           <a:p>
             <a:pPr lvl="0"/>
             <a:r>
-              <a:rPr lang="zh-CN" altLang="en-US" smtClean="0"/>
+              <a:rPr lang="zh-CN" altLang="en-US"/>
               <a:t>单击此处编辑母版文本样式</a:t>
             </a:r>
-            <a:endParaRPr lang="zh-CN" altLang="en-US" smtClean="0"/>
           </a:p>
           <a:p>
             <a:pPr lvl="1"/>
             <a:r>
-              <a:rPr lang="zh-CN" altLang="en-US" smtClean="0"/>
+              <a:rPr lang="zh-CN" altLang="en-US"/>
               <a:t>第二级</a:t>
             </a:r>
-            <a:endParaRPr lang="zh-CN" altLang="en-US" smtClean="0"/>
           </a:p>
           <a:p>
             <a:pPr lvl="2"/>
             <a:r>
-              <a:rPr lang="zh-CN" altLang="en-US" smtClean="0"/>
+              <a:rPr lang="zh-CN" altLang="en-US"/>
               <a:t>第三级</a:t>
             </a:r>
-            <a:endParaRPr lang="zh-CN" altLang="en-US" smtClean="0"/>
           </a:p>
           <a:p>
             <a:pPr lvl="3"/>
             <a:r>
-              <a:rPr lang="zh-CN" altLang="en-US" smtClean="0"/>
+              <a:rPr lang="zh-CN" altLang="en-US"/>
               <a:t>第四级</a:t>
             </a:r>
-            <a:endParaRPr lang="zh-CN" altLang="en-US" smtClean="0"/>
           </a:p>
           <a:p>
             <a:pPr lvl="4"/>
             <a:r>
-              <a:rPr lang="zh-CN" altLang="en-US" smtClean="0"/>
+              <a:rPr lang="zh-CN" altLang="en-US"/>
               <a:t>第五级</a:t>
             </a:r>
-            <a:endParaRPr lang="zh-CN" altLang="en-US"/>
           </a:p>
         </p:txBody>
       </p:sp>
@@ -1227,6 +1246,7 @@
           <a:p>
             <a:fld id="{D997B5FA-0921-464F-AAE1-844C04324D75}" type="datetimeFigureOut">
               <a:rPr lang="zh-CN" altLang="en-US" smtClean="0"/>
+              <a:t>2018/8/6</a:t>
             </a:fld>
             <a:endParaRPr lang="zh-CN" altLang="en-US"/>
           </a:p>
@@ -1268,6 +1288,7 @@
           <a:p>
             <a:fld id="{565CE74E-AB26-4998-AD42-012C4C1AD076}" type="slidenum">
               <a:rPr lang="zh-CN" altLang="en-US" smtClean="0"/>
+              <a:t>‹#›</a:t>
             </a:fld>
             <a:endParaRPr lang="zh-CN" altLang="en-US"/>
           </a:p>
@@ -1319,10 +1340,9 @@
           <a:lstStyle/>
           <a:p>
             <a:r>
-              <a:rPr lang="zh-CN" altLang="en-US" smtClean="0"/>
+              <a:rPr lang="zh-CN" altLang="en-US"/>
               <a:t>单击此处编辑母版标题样式</a:t>
             </a:r>
-            <a:endParaRPr lang="zh-CN" altLang="en-US"/>
           </a:p>
         </p:txBody>
       </p:sp>
@@ -1385,10 +1405,9 @@
           <a:p>
             <a:pPr lvl="0"/>
             <a:r>
-              <a:rPr lang="zh-CN" altLang="en-US" smtClean="0"/>
+              <a:rPr lang="zh-CN" altLang="en-US"/>
               <a:t>单击此处编辑母版文本样式</a:t>
             </a:r>
-            <a:endParaRPr lang="zh-CN" altLang="en-US" smtClean="0"/>
           </a:p>
         </p:txBody>
       </p:sp>
@@ -1414,42 +1433,37 @@
           <a:p>
             <a:pPr lvl="0"/>
             <a:r>
-              <a:rPr lang="zh-CN" altLang="en-US" smtClean="0"/>
+              <a:rPr lang="zh-CN" altLang="en-US"/>
               <a:t>单击此处编辑母版文本样式</a:t>
             </a:r>
-            <a:endParaRPr lang="zh-CN" altLang="en-US" smtClean="0"/>
           </a:p>
           <a:p>
             <a:pPr lvl="1"/>
             <a:r>
-              <a:rPr lang="zh-CN" altLang="en-US" smtClean="0"/>
+              <a:rPr lang="zh-CN" altLang="en-US"/>
               <a:t>第二级</a:t>
             </a:r>
-            <a:endParaRPr lang="zh-CN" altLang="en-US" smtClean="0"/>
           </a:p>
           <a:p>
             <a:pPr lvl="2"/>
             <a:r>
-              <a:rPr lang="zh-CN" altLang="en-US" smtClean="0"/>
+              <a:rPr lang="zh-CN" altLang="en-US"/>
               <a:t>第三级</a:t>
             </a:r>
-            <a:endParaRPr lang="zh-CN" altLang="en-US" smtClean="0"/>
           </a:p>
           <a:p>
             <a:pPr lvl="3"/>
             <a:r>
-              <a:rPr lang="zh-CN" altLang="en-US" smtClean="0"/>
+              <a:rPr lang="zh-CN" altLang="en-US"/>
               <a:t>第四级</a:t>
             </a:r>
-            <a:endParaRPr lang="zh-CN" altLang="en-US" smtClean="0"/>
           </a:p>
           <a:p>
             <a:pPr lvl="4"/>
             <a:r>
-              <a:rPr lang="zh-CN" altLang="en-US" smtClean="0"/>
+              <a:rPr lang="zh-CN" altLang="en-US"/>
               <a:t>第五级</a:t>
             </a:r>
-            <a:endParaRPr lang="zh-CN" altLang="en-US"/>
           </a:p>
         </p:txBody>
       </p:sp>
@@ -1512,10 +1526,9 @@
           <a:p>
             <a:pPr lvl="0"/>
             <a:r>
-              <a:rPr lang="zh-CN" altLang="en-US" smtClean="0"/>
+              <a:rPr lang="zh-CN" altLang="en-US"/>
               <a:t>单击此处编辑母版文本样式</a:t>
             </a:r>
-            <a:endParaRPr lang="zh-CN" altLang="en-US" smtClean="0"/>
           </a:p>
         </p:txBody>
       </p:sp>
@@ -1541,42 +1554,37 @@
           <a:p>
             <a:pPr lvl="0"/>
             <a:r>
-              <a:rPr lang="zh-CN" altLang="en-US" smtClean="0"/>
+              <a:rPr lang="zh-CN" altLang="en-US"/>
               <a:t>单击此处编辑母版文本样式</a:t>
             </a:r>
-            <a:endParaRPr lang="zh-CN" altLang="en-US" smtClean="0"/>
           </a:p>
           <a:p>
             <a:pPr lvl="1"/>
             <a:r>
-              <a:rPr lang="zh-CN" altLang="en-US" smtClean="0"/>
+              <a:rPr lang="zh-CN" altLang="en-US"/>
               <a:t>第二级</a:t>
             </a:r>
-            <a:endParaRPr lang="zh-CN" altLang="en-US" smtClean="0"/>
           </a:p>
           <a:p>
             <a:pPr lvl="2"/>
             <a:r>
-              <a:rPr lang="zh-CN" altLang="en-US" smtClean="0"/>
+              <a:rPr lang="zh-CN" altLang="en-US"/>
               <a:t>第三级</a:t>
             </a:r>
-            <a:endParaRPr lang="zh-CN" altLang="en-US" smtClean="0"/>
           </a:p>
           <a:p>
             <a:pPr lvl="3"/>
             <a:r>
-              <a:rPr lang="zh-CN" altLang="en-US" smtClean="0"/>
+              <a:rPr lang="zh-CN" altLang="en-US"/>
               <a:t>第四级</a:t>
             </a:r>
-            <a:endParaRPr lang="zh-CN" altLang="en-US" smtClean="0"/>
           </a:p>
           <a:p>
             <a:pPr lvl="4"/>
             <a:r>
-              <a:rPr lang="zh-CN" altLang="en-US" smtClean="0"/>
+              <a:rPr lang="zh-CN" altLang="en-US"/>
               <a:t>第五级</a:t>
             </a:r>
-            <a:endParaRPr lang="zh-CN" altLang="en-US"/>
           </a:p>
         </p:txBody>
       </p:sp>
@@ -1597,6 +1605,7 @@
           <a:p>
             <a:fld id="{D997B5FA-0921-464F-AAE1-844C04324D75}" type="datetimeFigureOut">
               <a:rPr lang="zh-CN" altLang="en-US" smtClean="0"/>
+              <a:t>2018/8/6</a:t>
             </a:fld>
             <a:endParaRPr lang="zh-CN" altLang="en-US"/>
           </a:p>
@@ -1638,6 +1647,7 @@
           <a:p>
             <a:fld id="{565CE74E-AB26-4998-AD42-012C4C1AD076}" type="slidenum">
               <a:rPr lang="zh-CN" altLang="en-US" smtClean="0"/>
+              <a:t>‹#›</a:t>
             </a:fld>
             <a:endParaRPr lang="zh-CN" altLang="en-US"/>
           </a:p>
@@ -1684,10 +1694,9 @@
           <a:lstStyle/>
           <a:p>
             <a:r>
-              <a:rPr lang="zh-CN" altLang="en-US" smtClean="0"/>
+              <a:rPr lang="zh-CN" altLang="en-US"/>
               <a:t>单击此处编辑母版标题样式</a:t>
             </a:r>
-            <a:endParaRPr lang="zh-CN" altLang="en-US"/>
           </a:p>
         </p:txBody>
       </p:sp>
@@ -1708,6 +1717,7 @@
           <a:p>
             <a:fld id="{D997B5FA-0921-464F-AAE1-844C04324D75}" type="datetimeFigureOut">
               <a:rPr lang="zh-CN" altLang="en-US" smtClean="0"/>
+              <a:t>2018/8/6</a:t>
             </a:fld>
             <a:endParaRPr lang="zh-CN" altLang="en-US"/>
           </a:p>
@@ -1749,6 +1759,7 @@
           <a:p>
             <a:fld id="{565CE74E-AB26-4998-AD42-012C4C1AD076}" type="slidenum">
               <a:rPr lang="zh-CN" altLang="en-US" smtClean="0"/>
+              <a:t>‹#›</a:t>
             </a:fld>
             <a:endParaRPr lang="zh-CN" altLang="en-US"/>
           </a:p>
@@ -1796,6 +1807,7 @@
           <a:p>
             <a:fld id="{D997B5FA-0921-464F-AAE1-844C04324D75}" type="datetimeFigureOut">
               <a:rPr lang="zh-CN" altLang="en-US" smtClean="0"/>
+              <a:t>2018/8/6</a:t>
             </a:fld>
             <a:endParaRPr lang="zh-CN" altLang="en-US"/>
           </a:p>
@@ -1837,6 +1849,7 @@
           <a:p>
             <a:fld id="{565CE74E-AB26-4998-AD42-012C4C1AD076}" type="slidenum">
               <a:rPr lang="zh-CN" altLang="en-US" smtClean="0"/>
+              <a:t>‹#›</a:t>
             </a:fld>
             <a:endParaRPr lang="zh-CN" altLang="en-US"/>
           </a:p>
@@ -1892,10 +1905,9 @@
           </a:lstStyle>
           <a:p>
             <a:r>
-              <a:rPr lang="zh-CN" altLang="en-US" smtClean="0"/>
+              <a:rPr lang="zh-CN" altLang="en-US"/>
               <a:t>单击此处编辑母版标题样式</a:t>
             </a:r>
-            <a:endParaRPr lang="zh-CN" altLang="en-US"/>
           </a:p>
         </p:txBody>
       </p:sp>
@@ -1949,42 +1961,37 @@
           <a:p>
             <a:pPr lvl="0"/>
             <a:r>
-              <a:rPr lang="zh-CN" altLang="en-US" smtClean="0"/>
+              <a:rPr lang="zh-CN" altLang="en-US"/>
               <a:t>单击此处编辑母版文本样式</a:t>
             </a:r>
-            <a:endParaRPr lang="zh-CN" altLang="en-US" smtClean="0"/>
           </a:p>
           <a:p>
             <a:pPr lvl="1"/>
             <a:r>
-              <a:rPr lang="zh-CN" altLang="en-US" smtClean="0"/>
+              <a:rPr lang="zh-CN" altLang="en-US"/>
               <a:t>第二级</a:t>
             </a:r>
-            <a:endParaRPr lang="zh-CN" altLang="en-US" smtClean="0"/>
           </a:p>
           <a:p>
             <a:pPr lvl="2"/>
             <a:r>
-              <a:rPr lang="zh-CN" altLang="en-US" smtClean="0"/>
+              <a:rPr lang="zh-CN" altLang="en-US"/>
               <a:t>第三级</a:t>
             </a:r>
-            <a:endParaRPr lang="zh-CN" altLang="en-US" smtClean="0"/>
           </a:p>
           <a:p>
             <a:pPr lvl="3"/>
             <a:r>
-              <a:rPr lang="zh-CN" altLang="en-US" smtClean="0"/>
+              <a:rPr lang="zh-CN" altLang="en-US"/>
               <a:t>第四级</a:t>
             </a:r>
-            <a:endParaRPr lang="zh-CN" altLang="en-US" smtClean="0"/>
           </a:p>
           <a:p>
             <a:pPr lvl="4"/>
             <a:r>
-              <a:rPr lang="zh-CN" altLang="en-US" smtClean="0"/>
+              <a:rPr lang="zh-CN" altLang="en-US"/>
               <a:t>第五级</a:t>
             </a:r>
-            <a:endParaRPr lang="zh-CN" altLang="en-US"/>
           </a:p>
         </p:txBody>
       </p:sp>
@@ -2047,10 +2054,9 @@
           <a:p>
             <a:pPr lvl="0"/>
             <a:r>
-              <a:rPr lang="zh-CN" altLang="en-US" smtClean="0"/>
+              <a:rPr lang="zh-CN" altLang="en-US"/>
               <a:t>单击此处编辑母版文本样式</a:t>
             </a:r>
-            <a:endParaRPr lang="zh-CN" altLang="en-US" smtClean="0"/>
           </a:p>
         </p:txBody>
       </p:sp>
@@ -2071,6 +2077,7 @@
           <a:p>
             <a:fld id="{D997B5FA-0921-464F-AAE1-844C04324D75}" type="datetimeFigureOut">
               <a:rPr lang="zh-CN" altLang="en-US" smtClean="0"/>
+              <a:t>2018/8/6</a:t>
             </a:fld>
             <a:endParaRPr lang="zh-CN" altLang="en-US"/>
           </a:p>
@@ -2112,6 +2119,7 @@
           <a:p>
             <a:fld id="{565CE74E-AB26-4998-AD42-012C4C1AD076}" type="slidenum">
               <a:rPr lang="zh-CN" altLang="en-US" smtClean="0"/>
+              <a:t>‹#›</a:t>
             </a:fld>
             <a:endParaRPr lang="zh-CN" altLang="en-US"/>
           </a:p>
@@ -2167,10 +2175,9 @@
           </a:lstStyle>
           <a:p>
             <a:r>
-              <a:rPr lang="zh-CN" altLang="en-US" smtClean="0"/>
+              <a:rPr lang="zh-CN" altLang="en-US"/>
               <a:t>单击此处编辑母版标题样式</a:t>
             </a:r>
-            <a:endParaRPr lang="zh-CN" altLang="en-US"/>
           </a:p>
         </p:txBody>
       </p:sp>
@@ -2294,10 +2301,9 @@
           <a:p>
             <a:pPr lvl="0"/>
             <a:r>
-              <a:rPr lang="zh-CN" altLang="en-US" smtClean="0"/>
+              <a:rPr lang="zh-CN" altLang="en-US"/>
               <a:t>单击此处编辑母版文本样式</a:t>
             </a:r>
-            <a:endParaRPr lang="zh-CN" altLang="en-US" smtClean="0"/>
           </a:p>
         </p:txBody>
       </p:sp>
@@ -2318,6 +2324,7 @@
           <a:p>
             <a:fld id="{D997B5FA-0921-464F-AAE1-844C04324D75}" type="datetimeFigureOut">
               <a:rPr lang="zh-CN" altLang="en-US" smtClean="0"/>
+              <a:t>2018/8/6</a:t>
             </a:fld>
             <a:endParaRPr lang="zh-CN" altLang="en-US"/>
           </a:p>
@@ -2359,6 +2366,7 @@
           <a:p>
             <a:fld id="{565CE74E-AB26-4998-AD42-012C4C1AD076}" type="slidenum">
               <a:rPr lang="zh-CN" altLang="en-US" smtClean="0"/>
+              <a:t>‹#›</a:t>
             </a:fld>
             <a:endParaRPr lang="zh-CN" altLang="en-US"/>
           </a:p>
@@ -2420,10 +2428,9 @@
           <a:lstStyle/>
           <a:p>
             <a:r>
-              <a:rPr lang="zh-CN" altLang="en-US" smtClean="0"/>
+              <a:rPr lang="zh-CN" altLang="en-US"/>
               <a:t>单击此处编辑母版标题样式</a:t>
             </a:r>
-            <a:endParaRPr lang="zh-CN" altLang="en-US"/>
           </a:p>
         </p:txBody>
       </p:sp>
@@ -2454,42 +2461,37 @@
           <a:p>
             <a:pPr lvl="0"/>
             <a:r>
-              <a:rPr lang="zh-CN" altLang="en-US" smtClean="0"/>
+              <a:rPr lang="zh-CN" altLang="en-US"/>
               <a:t>单击此处编辑母版文本样式</a:t>
             </a:r>
-            <a:endParaRPr lang="zh-CN" altLang="en-US" smtClean="0"/>
           </a:p>
           <a:p>
             <a:pPr lvl="1"/>
             <a:r>
-              <a:rPr lang="zh-CN" altLang="en-US" smtClean="0"/>
+              <a:rPr lang="zh-CN" altLang="en-US"/>
               <a:t>第二级</a:t>
             </a:r>
-            <a:endParaRPr lang="zh-CN" altLang="en-US" smtClean="0"/>
           </a:p>
           <a:p>
             <a:pPr lvl="2"/>
             <a:r>
-              <a:rPr lang="zh-CN" altLang="en-US" smtClean="0"/>
+              <a:rPr lang="zh-CN" altLang="en-US"/>
               <a:t>第三级</a:t>
             </a:r>
-            <a:endParaRPr lang="zh-CN" altLang="en-US" smtClean="0"/>
           </a:p>
           <a:p>
             <a:pPr lvl="3"/>
             <a:r>
-              <a:rPr lang="zh-CN" altLang="en-US" smtClean="0"/>
+              <a:rPr lang="zh-CN" altLang="en-US"/>
               <a:t>第四级</a:t>
             </a:r>
-            <a:endParaRPr lang="zh-CN" altLang="en-US" smtClean="0"/>
           </a:p>
           <a:p>
             <a:pPr lvl="4"/>
             <a:r>
-              <a:rPr lang="zh-CN" altLang="en-US" smtClean="0"/>
+              <a:rPr lang="zh-CN" altLang="en-US"/>
               <a:t>第五级</a:t>
             </a:r>
-            <a:endParaRPr lang="zh-CN" altLang="en-US"/>
           </a:p>
         </p:txBody>
       </p:sp>
@@ -2528,6 +2530,7 @@
           <a:p>
             <a:fld id="{D997B5FA-0921-464F-AAE1-844C04324D75}" type="datetimeFigureOut">
               <a:rPr lang="zh-CN" altLang="en-US" smtClean="0"/>
+              <a:t>2018/8/6</a:t>
             </a:fld>
             <a:endParaRPr lang="zh-CN" altLang="en-US"/>
           </a:p>
@@ -2605,6 +2608,7 @@
           <a:p>
             <a:fld id="{565CE74E-AB26-4998-AD42-012C4C1AD076}" type="slidenum">
               <a:rPr lang="zh-CN" altLang="en-US" smtClean="0"/>
+              <a:t>‹#›</a:t>
             </a:fld>
             <a:endParaRPr lang="zh-CN" altLang="en-US"/>
           </a:p>
@@ -2918,7 +2922,14 @@
         <p:cNvGrpSpPr/>
         <p:nvPr/>
       </p:nvGrpSpPr>
-      <p:grpSpPr/>
+      <p:grpSpPr>
+        <a:xfrm>
+          <a:off x="0" y="0"/>
+          <a:ext cx="0" cy="0"/>
+          <a:chOff x="0" y="0"/>
+          <a:chExt cx="0" cy="0"/>
+        </a:xfrm>
+      </p:grpSpPr>
       <p:sp>
         <p:nvSpPr>
           <p:cNvPr id="2" name="标题 1"/>
@@ -2932,6 +2943,7 @@
         <p:spPr/>
         <p:txBody>
           <a:bodyPr/>
+          <a:lstStyle/>
           <a:p>
             <a:r>
               <a:rPr lang="zh-CN" altLang="en-US">
@@ -2958,12 +2970,1017 @@
           <a:bodyPr>
             <a:normAutofit/>
           </a:bodyPr>
+          <a:lstStyle/>
           <a:p>
             <a:endParaRPr lang="zh-CN" altLang="en-US"/>
           </a:p>
         </p:txBody>
       </p:sp>
     </p:spTree>
+  </p:cSld>
+  <p:clrMapOvr>
+    <a:masterClrMapping/>
+  </p:clrMapOvr>
+</p:sld>
+</file>
+
+<file path=ppt/slides/slide10.xml><?xml version="1.0" encoding="utf-8"?>
+<p:sld xmlns:a="http://schemas.openxmlformats.org/drawingml/2006/main" xmlns:r="http://schemas.openxmlformats.org/officeDocument/2006/relationships" xmlns:p="http://schemas.openxmlformats.org/presentationml/2006/main">
+  <p:cSld>
+    <p:spTree>
+      <p:nvGrpSpPr>
+        <p:cNvPr id="1" name=""/>
+        <p:cNvGrpSpPr/>
+        <p:nvPr/>
+      </p:nvGrpSpPr>
+      <p:grpSpPr>
+        <a:xfrm>
+          <a:off x="0" y="0"/>
+          <a:ext cx="0" cy="0"/>
+          <a:chOff x="0" y="0"/>
+          <a:chExt cx="0" cy="0"/>
+        </a:xfrm>
+      </p:grpSpPr>
+      <p:sp>
+        <p:nvSpPr>
+          <p:cNvPr id="2" name="标题 1"/>
+          <p:cNvSpPr>
+            <a:spLocks noGrp="1"/>
+          </p:cNvSpPr>
+          <p:nvPr>
+            <p:ph type="title"/>
+          </p:nvPr>
+        </p:nvSpPr>
+        <p:spPr/>
+        <p:txBody>
+          <a:bodyPr/>
+          <a:lstStyle/>
+          <a:p>
+            <a:r>
+              <a:rPr lang="en-US" altLang="zh-CN"/>
+              <a:t>2.2 协议格式</a:t>
+            </a:r>
+          </a:p>
+        </p:txBody>
+      </p:sp>
+      <p:sp>
+        <p:nvSpPr>
+          <p:cNvPr id="3" name="内容占位符 2"/>
+          <p:cNvSpPr>
+            <a:spLocks noGrp="1"/>
+          </p:cNvSpPr>
+          <p:nvPr>
+            <p:ph idx="1"/>
+          </p:nvPr>
+        </p:nvSpPr>
+        <p:spPr/>
+        <p:txBody>
+          <a:bodyPr>
+            <a:normAutofit/>
+          </a:bodyPr>
+          <a:lstStyle/>
+          <a:p>
+            <a:pPr latinLnBrk="1"/>
+            <a:r>
+              <a:rPr lang="zh-CN" altLang="en-US" dirty="0"/>
+              <a:t>指令内部的列表里的每个元素，都有一个十进制的正整数前缀，这个前缀与元素的值通过英文的句号分隔。这个前缀指明表示元素的值的</a:t>
+            </a:r>
+            <a:r>
+              <a:rPr lang="en-US" dirty="0" err="1"/>
+              <a:t>unicode</a:t>
+            </a:r>
+            <a:r>
+              <a:rPr lang="zh-CN" altLang="en-US" dirty="0"/>
+              <a:t>字符的个数，元素是按</a:t>
+            </a:r>
+            <a:r>
+              <a:rPr lang="en-US" dirty="0"/>
+              <a:t>UTF-8</a:t>
+            </a:r>
+            <a:r>
+              <a:rPr lang="zh-CN" altLang="en-US" dirty="0"/>
+              <a:t>编码的。</a:t>
+            </a:r>
+          </a:p>
+          <a:p>
+            <a:pPr latinLnBrk="1"/>
+            <a:r>
+              <a:rPr lang="zh-CN" altLang="en-US" dirty="0"/>
+              <a:t>长度</a:t>
+            </a:r>
+            <a:r>
+              <a:rPr lang="en-US" altLang="zh-CN" dirty="0"/>
+              <a:t>.</a:t>
+            </a:r>
+            <a:r>
+              <a:rPr lang="zh-CN" altLang="en-US" dirty="0"/>
+              <a:t>值</a:t>
+            </a:r>
+            <a:endParaRPr lang="en-US" altLang="zh-CN" dirty="0"/>
+          </a:p>
+        </p:txBody>
+      </p:sp>
+      <p:pic>
+        <p:nvPicPr>
+          <p:cNvPr id="4" name="Picture 3">
+            <a:extLst>
+              <a:ext uri="{FF2B5EF4-FFF2-40B4-BE49-F238E27FC236}">
+                <a16:creationId xmlns:a16="http://schemas.microsoft.com/office/drawing/2014/main" id="{F9DD0AD4-5700-404A-82E4-72F8F504EEDD}"/>
+              </a:ext>
+            </a:extLst>
+          </p:cNvPr>
+          <p:cNvPicPr>
+            <a:picLocks noChangeAspect="1"/>
+          </p:cNvPicPr>
+          <p:nvPr/>
+        </p:nvPicPr>
+        <p:blipFill>
+          <a:blip r:embed="rId2"/>
+          <a:stretch>
+            <a:fillRect/>
+          </a:stretch>
+        </p:blipFill>
+        <p:spPr>
+          <a:xfrm>
+            <a:off x="838200" y="3844840"/>
+            <a:ext cx="16534528" cy="1283214"/>
+          </a:xfrm>
+          <a:prstGeom prst="rect">
+            <a:avLst/>
+          </a:prstGeom>
+        </p:spPr>
+      </p:pic>
+    </p:spTree>
+  </p:cSld>
+  <p:clrMapOvr>
+    <a:masterClrMapping/>
+  </p:clrMapOvr>
+</p:sld>
+</file>
+
+<file path=ppt/slides/slide11.xml><?xml version="1.0" encoding="utf-8"?>
+<p:sld xmlns:a="http://schemas.openxmlformats.org/drawingml/2006/main" xmlns:r="http://schemas.openxmlformats.org/officeDocument/2006/relationships" xmlns:p="http://schemas.openxmlformats.org/presentationml/2006/main">
+  <p:cSld>
+    <p:spTree>
+      <p:nvGrpSpPr>
+        <p:cNvPr id="1" name=""/>
+        <p:cNvGrpSpPr/>
+        <p:nvPr/>
+      </p:nvGrpSpPr>
+      <p:grpSpPr>
+        <a:xfrm>
+          <a:off x="0" y="0"/>
+          <a:ext cx="0" cy="0"/>
+          <a:chOff x="0" y="0"/>
+          <a:chExt cx="0" cy="0"/>
+        </a:xfrm>
+      </p:grpSpPr>
+      <p:sp>
+        <p:nvSpPr>
+          <p:cNvPr id="3" name="Content Placeholder 2">
+            <a:extLst>
+              <a:ext uri="{FF2B5EF4-FFF2-40B4-BE49-F238E27FC236}">
+                <a16:creationId xmlns:a16="http://schemas.microsoft.com/office/drawing/2014/main" id="{DCFAC99B-E171-8C43-ACE6-1D746CB3B223}"/>
+              </a:ext>
+            </a:extLst>
+          </p:cNvPr>
+          <p:cNvSpPr>
+            <a:spLocks noGrp="1"/>
+          </p:cNvSpPr>
+          <p:nvPr>
+            <p:ph idx="1"/>
+          </p:nvPr>
+        </p:nvSpPr>
+        <p:spPr/>
+        <p:txBody>
+          <a:bodyPr/>
+          <a:lstStyle/>
+          <a:p>
+            <a:r>
+              <a:rPr lang="zh-CN" altLang="en-US" dirty="0"/>
+              <a:t>操作码，参数1，参数2，参数3，…；</a:t>
+            </a:r>
+          </a:p>
+          <a:p>
+            <a:r>
+              <a:rPr lang="zh-CN" altLang="en-US" dirty="0"/>
+              <a:t>服务器发往客户端，或者客户端发往服务器的消息，由任意数量的完整指令组成。客户端发往服务端的消息多数是控制指令（用于建立连接、断开连接）和事件指令（鼠标事件、键盘事件）。服务端发往客户端的消息多数是绘制指令（缓存、裁切、绘图），服务端讲客户端看作远端的屏幕</a:t>
+            </a:r>
+            <a:r>
+              <a:rPr lang="en-US" altLang="zh-CN" dirty="0"/>
+              <a:t>;</a:t>
+            </a:r>
+          </a:p>
+          <a:p>
+            <a:endParaRPr lang="en-US" dirty="0"/>
+          </a:p>
+        </p:txBody>
+      </p:sp>
+    </p:spTree>
+    <p:extLst>
+      <p:ext uri="{BB962C8B-B14F-4D97-AF65-F5344CB8AC3E}">
+        <p14:creationId xmlns:p14="http://schemas.microsoft.com/office/powerpoint/2010/main" val="642218407"/>
+      </p:ext>
+    </p:extLst>
+  </p:cSld>
+  <p:clrMapOvr>
+    <a:masterClrMapping/>
+  </p:clrMapOvr>
+</p:sld>
+</file>
+
+<file path=ppt/slides/slide12.xml><?xml version="1.0" encoding="utf-8"?>
+<p:sld xmlns:a="http://schemas.openxmlformats.org/drawingml/2006/main" xmlns:r="http://schemas.openxmlformats.org/officeDocument/2006/relationships" xmlns:p="http://schemas.openxmlformats.org/presentationml/2006/main">
+  <p:cSld>
+    <p:spTree>
+      <p:nvGrpSpPr>
+        <p:cNvPr id="1" name=""/>
+        <p:cNvGrpSpPr/>
+        <p:nvPr/>
+      </p:nvGrpSpPr>
+      <p:grpSpPr>
+        <a:xfrm>
+          <a:off x="0" y="0"/>
+          <a:ext cx="0" cy="0"/>
+          <a:chOff x="0" y="0"/>
+          <a:chExt cx="0" cy="0"/>
+        </a:xfrm>
+      </p:grpSpPr>
+      <p:sp>
+        <p:nvSpPr>
+          <p:cNvPr id="2" name="标题 1"/>
+          <p:cNvSpPr>
+            <a:spLocks noGrp="1"/>
+          </p:cNvSpPr>
+          <p:nvPr>
+            <p:ph type="title"/>
+          </p:nvPr>
+        </p:nvSpPr>
+        <p:spPr/>
+        <p:txBody>
+          <a:bodyPr/>
+          <a:lstStyle/>
+          <a:p>
+            <a:endParaRPr lang="zh-CN" altLang="en-US"/>
+          </a:p>
+        </p:txBody>
+      </p:sp>
+      <p:pic>
+        <p:nvPicPr>
+          <p:cNvPr id="4" name="Content Placeholder 3">
+            <a:extLst>
+              <a:ext uri="{FF2B5EF4-FFF2-40B4-BE49-F238E27FC236}">
+                <a16:creationId xmlns:a16="http://schemas.microsoft.com/office/drawing/2014/main" id="{93E7C247-2BF2-EA48-8E43-8274D6F8758B}"/>
+              </a:ext>
+            </a:extLst>
+          </p:cNvPr>
+          <p:cNvPicPr>
+            <a:picLocks noGrp="1" noChangeAspect="1"/>
+          </p:cNvPicPr>
+          <p:nvPr>
+            <p:ph idx="1"/>
+          </p:nvPr>
+        </p:nvPicPr>
+        <p:blipFill>
+          <a:blip r:embed="rId2"/>
+          <a:stretch>
+            <a:fillRect/>
+          </a:stretch>
+        </p:blipFill>
+        <p:spPr>
+          <a:xfrm>
+            <a:off x="838200" y="342534"/>
+            <a:ext cx="10515600" cy="2696307"/>
+          </a:xfrm>
+          <a:prstGeom prst="rect">
+            <a:avLst/>
+          </a:prstGeom>
+        </p:spPr>
+      </p:pic>
+      <p:pic>
+        <p:nvPicPr>
+          <p:cNvPr id="5" name="Picture 4">
+            <a:extLst>
+              <a:ext uri="{FF2B5EF4-FFF2-40B4-BE49-F238E27FC236}">
+                <a16:creationId xmlns:a16="http://schemas.microsoft.com/office/drawing/2014/main" id="{36DC7E7F-03E7-FD4D-87DE-1B07CD15088C}"/>
+              </a:ext>
+            </a:extLst>
+          </p:cNvPr>
+          <p:cNvPicPr>
+            <a:picLocks noChangeAspect="1"/>
+          </p:cNvPicPr>
+          <p:nvPr/>
+        </p:nvPicPr>
+        <p:blipFill>
+          <a:blip r:embed="rId3"/>
+          <a:stretch>
+            <a:fillRect/>
+          </a:stretch>
+        </p:blipFill>
+        <p:spPr>
+          <a:xfrm>
+            <a:off x="963038" y="3038841"/>
+            <a:ext cx="6392828" cy="3644002"/>
+          </a:xfrm>
+          <a:prstGeom prst="rect">
+            <a:avLst/>
+          </a:prstGeom>
+        </p:spPr>
+      </p:pic>
+    </p:spTree>
+  </p:cSld>
+  <p:clrMapOvr>
+    <a:masterClrMapping/>
+  </p:clrMapOvr>
+</p:sld>
+</file>
+
+<file path=ppt/slides/slide13.xml><?xml version="1.0" encoding="utf-8"?>
+<p:sld xmlns:a="http://schemas.openxmlformats.org/drawingml/2006/main" xmlns:r="http://schemas.openxmlformats.org/officeDocument/2006/relationships" xmlns:p="http://schemas.openxmlformats.org/presentationml/2006/main">
+  <p:cSld>
+    <p:spTree>
+      <p:nvGrpSpPr>
+        <p:cNvPr id="1" name=""/>
+        <p:cNvGrpSpPr/>
+        <p:nvPr/>
+      </p:nvGrpSpPr>
+      <p:grpSpPr>
+        <a:xfrm>
+          <a:off x="0" y="0"/>
+          <a:ext cx="0" cy="0"/>
+          <a:chOff x="0" y="0"/>
+          <a:chExt cx="0" cy="0"/>
+        </a:xfrm>
+      </p:grpSpPr>
+      <p:sp>
+        <p:nvSpPr>
+          <p:cNvPr id="2" name="Title 1">
+            <a:extLst>
+              <a:ext uri="{FF2B5EF4-FFF2-40B4-BE49-F238E27FC236}">
+                <a16:creationId xmlns:a16="http://schemas.microsoft.com/office/drawing/2014/main" id="{54E7BF43-63CE-2E4D-B87A-F7B0A9C8ADC5}"/>
+              </a:ext>
+            </a:extLst>
+          </p:cNvPr>
+          <p:cNvSpPr>
+            <a:spLocks noGrp="1"/>
+          </p:cNvSpPr>
+          <p:nvPr>
+            <p:ph type="title"/>
+          </p:nvPr>
+        </p:nvSpPr>
+        <p:spPr/>
+        <p:txBody>
+          <a:bodyPr/>
+          <a:lstStyle/>
+          <a:p>
+            <a:r>
+              <a:rPr lang="en-US" dirty="0"/>
+              <a:t>3.</a:t>
+            </a:r>
+            <a:r>
+              <a:rPr lang="zh-Hans" altLang="en-US" dirty="0"/>
+              <a:t>使用</a:t>
+            </a:r>
+            <a:endParaRPr lang="en-US" dirty="0"/>
+          </a:p>
+        </p:txBody>
+      </p:sp>
+      <p:pic>
+        <p:nvPicPr>
+          <p:cNvPr id="4" name="Content Placeholder 3">
+            <a:extLst>
+              <a:ext uri="{FF2B5EF4-FFF2-40B4-BE49-F238E27FC236}">
+                <a16:creationId xmlns:a16="http://schemas.microsoft.com/office/drawing/2014/main" id="{B3BF7EA5-40EE-9544-9ED7-A35973965A76}"/>
+              </a:ext>
+            </a:extLst>
+          </p:cNvPr>
+          <p:cNvPicPr>
+            <a:picLocks noGrp="1" noChangeAspect="1"/>
+          </p:cNvPicPr>
+          <p:nvPr>
+            <p:ph idx="1"/>
+          </p:nvPr>
+        </p:nvPicPr>
+        <p:blipFill>
+          <a:blip r:embed="rId2"/>
+          <a:stretch>
+            <a:fillRect/>
+          </a:stretch>
+        </p:blipFill>
+        <p:spPr>
+          <a:xfrm>
+            <a:off x="1026673" y="1790683"/>
+            <a:ext cx="3543300" cy="685800"/>
+          </a:xfrm>
+          <a:prstGeom prst="rect">
+            <a:avLst/>
+          </a:prstGeom>
+        </p:spPr>
+      </p:pic>
+      <p:pic>
+        <p:nvPicPr>
+          <p:cNvPr id="5" name="Picture 4">
+            <a:extLst>
+              <a:ext uri="{FF2B5EF4-FFF2-40B4-BE49-F238E27FC236}">
+                <a16:creationId xmlns:a16="http://schemas.microsoft.com/office/drawing/2014/main" id="{D051C415-1C5A-0A48-A6D6-DE76ECEA6F1A}"/>
+              </a:ext>
+            </a:extLst>
+          </p:cNvPr>
+          <p:cNvPicPr>
+            <a:picLocks noChangeAspect="1"/>
+          </p:cNvPicPr>
+          <p:nvPr/>
+        </p:nvPicPr>
+        <p:blipFill>
+          <a:blip r:embed="rId3"/>
+          <a:stretch>
+            <a:fillRect/>
+          </a:stretch>
+        </p:blipFill>
+        <p:spPr>
+          <a:xfrm>
+            <a:off x="1026673" y="2703613"/>
+            <a:ext cx="5359400" cy="1003300"/>
+          </a:xfrm>
+          <a:prstGeom prst="rect">
+            <a:avLst/>
+          </a:prstGeom>
+        </p:spPr>
+      </p:pic>
+      <p:pic>
+        <p:nvPicPr>
+          <p:cNvPr id="6" name="Picture 5">
+            <a:extLst>
+              <a:ext uri="{FF2B5EF4-FFF2-40B4-BE49-F238E27FC236}">
+                <a16:creationId xmlns:a16="http://schemas.microsoft.com/office/drawing/2014/main" id="{DB9ABA3E-4F3F-2341-9699-6B39961C99E6}"/>
+              </a:ext>
+            </a:extLst>
+          </p:cNvPr>
+          <p:cNvPicPr>
+            <a:picLocks noChangeAspect="1"/>
+          </p:cNvPicPr>
+          <p:nvPr/>
+        </p:nvPicPr>
+        <p:blipFill>
+          <a:blip r:embed="rId4"/>
+          <a:stretch>
+            <a:fillRect/>
+          </a:stretch>
+        </p:blipFill>
+        <p:spPr>
+          <a:xfrm>
+            <a:off x="6386073" y="0"/>
+            <a:ext cx="5569949" cy="6858000"/>
+          </a:xfrm>
+          <a:prstGeom prst="rect">
+            <a:avLst/>
+          </a:prstGeom>
+        </p:spPr>
+      </p:pic>
+    </p:spTree>
+    <p:extLst>
+      <p:ext uri="{BB962C8B-B14F-4D97-AF65-F5344CB8AC3E}">
+        <p14:creationId xmlns:p14="http://schemas.microsoft.com/office/powerpoint/2010/main" val="2441277721"/>
+      </p:ext>
+    </p:extLst>
+  </p:cSld>
+  <p:clrMapOvr>
+    <a:masterClrMapping/>
+  </p:clrMapOvr>
+</p:sld>
+</file>
+
+<file path=ppt/slides/slide14.xml><?xml version="1.0" encoding="utf-8"?>
+<p:sld xmlns:a="http://schemas.openxmlformats.org/drawingml/2006/main" xmlns:r="http://schemas.openxmlformats.org/officeDocument/2006/relationships" xmlns:p="http://schemas.openxmlformats.org/presentationml/2006/main">
+  <p:cSld>
+    <p:spTree>
+      <p:nvGrpSpPr>
+        <p:cNvPr id="1" name=""/>
+        <p:cNvGrpSpPr/>
+        <p:nvPr/>
+      </p:nvGrpSpPr>
+      <p:grpSpPr>
+        <a:xfrm>
+          <a:off x="0" y="0"/>
+          <a:ext cx="0" cy="0"/>
+          <a:chOff x="0" y="0"/>
+          <a:chExt cx="0" cy="0"/>
+        </a:xfrm>
+      </p:grpSpPr>
+      <p:sp>
+        <p:nvSpPr>
+          <p:cNvPr id="2" name="Title 1">
+            <a:extLst>
+              <a:ext uri="{FF2B5EF4-FFF2-40B4-BE49-F238E27FC236}">
+                <a16:creationId xmlns:a16="http://schemas.microsoft.com/office/drawing/2014/main" id="{80AC3047-D465-FE48-868C-AF54FF14E9C6}"/>
+              </a:ext>
+            </a:extLst>
+          </p:cNvPr>
+          <p:cNvSpPr>
+            <a:spLocks noGrp="1"/>
+          </p:cNvSpPr>
+          <p:nvPr>
+            <p:ph type="title"/>
+          </p:nvPr>
+        </p:nvSpPr>
+        <p:spPr/>
+        <p:txBody>
+          <a:bodyPr/>
+          <a:lstStyle/>
+          <a:p>
+            <a:r>
+              <a:rPr lang="zh-Hans" altLang="en-US" dirty="0"/>
+              <a:t>坑点</a:t>
+            </a:r>
+            <a:r>
+              <a:rPr lang="en-US" altLang="zh-Hans" dirty="0"/>
+              <a:t>1</a:t>
+            </a:r>
+            <a:r>
+              <a:rPr lang="zh-Hans" altLang="en-US" dirty="0"/>
+              <a:t>：桌面不显示</a:t>
+            </a:r>
+            <a:endParaRPr lang="en-US" dirty="0"/>
+          </a:p>
+        </p:txBody>
+      </p:sp>
+      <p:pic>
+        <p:nvPicPr>
+          <p:cNvPr id="4" name="Content Placeholder 3">
+            <a:extLst>
+              <a:ext uri="{FF2B5EF4-FFF2-40B4-BE49-F238E27FC236}">
+                <a16:creationId xmlns:a16="http://schemas.microsoft.com/office/drawing/2014/main" id="{DF13B55A-EC22-9E4F-AD16-230FEE22DE40}"/>
+              </a:ext>
+            </a:extLst>
+          </p:cNvPr>
+          <p:cNvPicPr>
+            <a:picLocks noGrp="1" noChangeAspect="1"/>
+          </p:cNvPicPr>
+          <p:nvPr>
+            <p:ph idx="1"/>
+          </p:nvPr>
+        </p:nvPicPr>
+        <p:blipFill>
+          <a:blip r:embed="rId2"/>
+          <a:stretch>
+            <a:fillRect/>
+          </a:stretch>
+        </p:blipFill>
+        <p:spPr>
+          <a:xfrm>
+            <a:off x="2043629" y="1522176"/>
+            <a:ext cx="9674050" cy="2978589"/>
+          </a:xfrm>
+          <a:prstGeom prst="rect">
+            <a:avLst/>
+          </a:prstGeom>
+        </p:spPr>
+      </p:pic>
+      <p:sp>
+        <p:nvSpPr>
+          <p:cNvPr id="5" name="Rectangle 4">
+            <a:extLst>
+              <a:ext uri="{FF2B5EF4-FFF2-40B4-BE49-F238E27FC236}">
+                <a16:creationId xmlns:a16="http://schemas.microsoft.com/office/drawing/2014/main" id="{DF12C84F-B73A-254F-8355-7E5DBB9863B6}"/>
+              </a:ext>
+            </a:extLst>
+          </p:cNvPr>
+          <p:cNvSpPr/>
+          <p:nvPr/>
+        </p:nvSpPr>
+        <p:spPr>
+          <a:xfrm>
+            <a:off x="838200" y="5473150"/>
+            <a:ext cx="11692647" cy="954107"/>
+          </a:xfrm>
+          <a:prstGeom prst="rect">
+            <a:avLst/>
+          </a:prstGeom>
+        </p:spPr>
+        <p:txBody>
+          <a:bodyPr wrap="square">
+            <a:spAutoFit/>
+          </a:bodyPr>
+          <a:lstStyle/>
+          <a:p>
+            <a:r>
+              <a:rPr lang="zh-CN" altLang="en-US" sz="2800" dirty="0"/>
+              <a:t>解决办法： 这个跟</a:t>
+            </a:r>
+            <a:r>
+              <a:rPr lang="en-US" sz="2800" dirty="0" err="1"/>
+              <a:t>css</a:t>
+            </a:r>
+            <a:r>
+              <a:rPr lang="zh-CN" altLang="en-US" sz="2800" dirty="0"/>
+              <a:t>堆叠上下文有关，给用来渲染桌面的</a:t>
+            </a:r>
+            <a:r>
+              <a:rPr lang="en-US" sz="2800" dirty="0" err="1"/>
+              <a:t>dom</a:t>
+            </a:r>
+            <a:r>
+              <a:rPr lang="zh-CN" altLang="en-US" sz="2800" dirty="0"/>
+              <a:t>添加 </a:t>
+            </a:r>
+            <a:r>
+              <a:rPr lang="en-US" sz="2800" dirty="0" err="1"/>
+              <a:t>position:fixed|stickey</a:t>
+            </a:r>
+            <a:r>
+              <a:rPr lang="zh-Hans" altLang="en-US" sz="2800" dirty="0"/>
+              <a:t>，</a:t>
+            </a:r>
+            <a:r>
+              <a:rPr lang="zh-CN" altLang="en-US" sz="2800" dirty="0">
+                <a:hlinkClick r:id="rId3"/>
+              </a:rPr>
+              <a:t>具体参考</a:t>
+            </a:r>
+            <a:r>
+              <a:rPr lang="zh-Hans" altLang="en-US" sz="2800" dirty="0"/>
+              <a:t>。</a:t>
+            </a:r>
+            <a:endParaRPr lang="en-US" sz="2800" dirty="0"/>
+          </a:p>
+        </p:txBody>
+      </p:sp>
+    </p:spTree>
+    <p:extLst>
+      <p:ext uri="{BB962C8B-B14F-4D97-AF65-F5344CB8AC3E}">
+        <p14:creationId xmlns:p14="http://schemas.microsoft.com/office/powerpoint/2010/main" val="3048712004"/>
+      </p:ext>
+    </p:extLst>
+  </p:cSld>
+  <p:clrMapOvr>
+    <a:masterClrMapping/>
+  </p:clrMapOvr>
+</p:sld>
+</file>
+
+<file path=ppt/slides/slide15.xml><?xml version="1.0" encoding="utf-8"?>
+<p:sld xmlns:a="http://schemas.openxmlformats.org/drawingml/2006/main" xmlns:r="http://schemas.openxmlformats.org/officeDocument/2006/relationships" xmlns:p="http://schemas.openxmlformats.org/presentationml/2006/main">
+  <p:cSld>
+    <p:spTree>
+      <p:nvGrpSpPr>
+        <p:cNvPr id="1" name=""/>
+        <p:cNvGrpSpPr/>
+        <p:nvPr/>
+      </p:nvGrpSpPr>
+      <p:grpSpPr>
+        <a:xfrm>
+          <a:off x="0" y="0"/>
+          <a:ext cx="0" cy="0"/>
+          <a:chOff x="0" y="0"/>
+          <a:chExt cx="0" cy="0"/>
+        </a:xfrm>
+      </p:grpSpPr>
+      <p:sp>
+        <p:nvSpPr>
+          <p:cNvPr id="2" name="Title 1">
+            <a:extLst>
+              <a:ext uri="{FF2B5EF4-FFF2-40B4-BE49-F238E27FC236}">
+                <a16:creationId xmlns:a16="http://schemas.microsoft.com/office/drawing/2014/main" id="{484F08BF-8856-1E46-9B94-FA79EDBC5CD1}"/>
+              </a:ext>
+            </a:extLst>
+          </p:cNvPr>
+          <p:cNvSpPr>
+            <a:spLocks noGrp="1"/>
+          </p:cNvSpPr>
+          <p:nvPr>
+            <p:ph type="title"/>
+          </p:nvPr>
+        </p:nvSpPr>
+        <p:spPr/>
+        <p:txBody>
+          <a:bodyPr/>
+          <a:lstStyle/>
+          <a:p>
+            <a:r>
+              <a:rPr lang="zh-CN" altLang="en-US" dirty="0"/>
+              <a:t>坑点</a:t>
+            </a:r>
+            <a:r>
+              <a:rPr lang="en-US" altLang="zh-CN" dirty="0"/>
+              <a:t>2</a:t>
+            </a:r>
+            <a:r>
+              <a:rPr lang="zh-CN" altLang="en-US" dirty="0"/>
+              <a:t> ：键盘事件冲突</a:t>
+            </a:r>
+            <a:r>
+              <a:rPr lang="en-US" altLang="zh-CN" dirty="0"/>
+              <a:t>&amp;</a:t>
+            </a:r>
+            <a:r>
+              <a:rPr lang="zh-CN" altLang="en-US" dirty="0"/>
+              <a:t>键盘事件无效</a:t>
+            </a:r>
+            <a:endParaRPr lang="en-US" dirty="0"/>
+          </a:p>
+        </p:txBody>
+      </p:sp>
+      <p:sp>
+        <p:nvSpPr>
+          <p:cNvPr id="3" name="Content Placeholder 2">
+            <a:extLst>
+              <a:ext uri="{FF2B5EF4-FFF2-40B4-BE49-F238E27FC236}">
+                <a16:creationId xmlns:a16="http://schemas.microsoft.com/office/drawing/2014/main" id="{EA223740-0704-B043-BE4E-7A16DB69E18B}"/>
+              </a:ext>
+            </a:extLst>
+          </p:cNvPr>
+          <p:cNvSpPr>
+            <a:spLocks noGrp="1"/>
+          </p:cNvSpPr>
+          <p:nvPr>
+            <p:ph idx="1"/>
+          </p:nvPr>
+        </p:nvSpPr>
+        <p:spPr/>
+        <p:txBody>
+          <a:bodyPr/>
+          <a:lstStyle/>
+          <a:p>
+            <a:r>
+              <a:rPr lang="zh-CN" altLang="en-US" dirty="0"/>
+              <a:t>因为</a:t>
+            </a:r>
+            <a:r>
+              <a:rPr lang="en-US" dirty="0"/>
+              <a:t>Guacamole</a:t>
+            </a:r>
+            <a:r>
+              <a:rPr lang="zh-CN" altLang="en-US" dirty="0"/>
+              <a:t>的键盘事件是绑定在</a:t>
+            </a:r>
+            <a:r>
+              <a:rPr lang="en-US" dirty="0"/>
+              <a:t>document</a:t>
+            </a:r>
+            <a:r>
+              <a:rPr lang="zh-CN" altLang="en-US" dirty="0"/>
+              <a:t>上的，而</a:t>
+            </a:r>
+            <a:r>
+              <a:rPr lang="en-US" dirty="0"/>
+              <a:t>tm＋</a:t>
+            </a:r>
+            <a:r>
+              <a:rPr lang="zh-CN" altLang="en-US" dirty="0"/>
+              <a:t>的其地方也有绑定键盘事件，比如 聊天，这样就造成了冲突。</a:t>
+            </a:r>
+            <a:br>
+              <a:rPr lang="zh-CN" altLang="en-US" dirty="0"/>
+            </a:br>
+            <a:r>
+              <a:rPr lang="zh-CN" altLang="en-US" b="1" dirty="0"/>
+              <a:t>解决办法：</a:t>
+            </a:r>
+            <a:r>
+              <a:rPr lang="zh-CN" altLang="en-US" dirty="0"/>
+              <a:t> 把</a:t>
+            </a:r>
+            <a:r>
+              <a:rPr lang="en-US" dirty="0" err="1"/>
+              <a:t>guca</a:t>
+            </a:r>
+            <a:r>
+              <a:rPr lang="zh-CN" altLang="en-US" dirty="0"/>
+              <a:t>的键盘事件绑定到所渲染的容器上</a:t>
+            </a:r>
+          </a:p>
+          <a:p>
+            <a:r>
+              <a:rPr lang="zh-CN" altLang="en-US" dirty="0"/>
+              <a:t>但是问题又来了，所在的</a:t>
+            </a:r>
+            <a:r>
+              <a:rPr lang="en-US" dirty="0"/>
+              <a:t>div</a:t>
+            </a:r>
+            <a:r>
+              <a:rPr lang="zh-CN" altLang="en-US" dirty="0"/>
+              <a:t>绑定键盘事件后，桌面里面的键盘事件无效</a:t>
+            </a:r>
+            <a:br>
+              <a:rPr lang="zh-CN" altLang="en-US" dirty="0"/>
+            </a:br>
+            <a:r>
+              <a:rPr lang="zh-CN" altLang="en-US" b="1" dirty="0"/>
+              <a:t>解决办法：</a:t>
+            </a:r>
+            <a:r>
+              <a:rPr lang="zh-CN" altLang="en-US" dirty="0"/>
+              <a:t> </a:t>
+            </a:r>
+            <a:r>
+              <a:rPr lang="en-US" dirty="0"/>
+              <a:t>div</a:t>
+            </a:r>
+            <a:r>
+              <a:rPr lang="zh-CN" altLang="en-US" dirty="0"/>
+              <a:t>本身并不能像</a:t>
+            </a:r>
+            <a:r>
+              <a:rPr lang="en-US" dirty="0"/>
+              <a:t>input ，</a:t>
+            </a:r>
+            <a:r>
+              <a:rPr lang="en-US" dirty="0" err="1"/>
+              <a:t>textarea</a:t>
+            </a:r>
+            <a:r>
+              <a:rPr lang="zh-CN" altLang="en-US" dirty="0"/>
+              <a:t>支持输入</a:t>
+            </a:r>
+            <a:r>
+              <a:rPr lang="en-US" altLang="zh-CN" dirty="0"/>
+              <a:t>, </a:t>
+            </a:r>
+            <a:r>
+              <a:rPr lang="zh-CN" altLang="en-US" dirty="0"/>
+              <a:t>添加</a:t>
+            </a:r>
+            <a:r>
+              <a:rPr lang="en-US" dirty="0" err="1"/>
+              <a:t>tabindex</a:t>
+            </a:r>
+            <a:r>
+              <a:rPr lang="en-US" dirty="0"/>
+              <a:t> </a:t>
+            </a:r>
+            <a:r>
+              <a:rPr lang="zh-CN" altLang="en-US" dirty="0"/>
+              <a:t>属性成功解决</a:t>
+            </a:r>
+          </a:p>
+          <a:p>
+            <a:endParaRPr lang="en-US" dirty="0"/>
+          </a:p>
+        </p:txBody>
+      </p:sp>
+    </p:spTree>
+    <p:extLst>
+      <p:ext uri="{BB962C8B-B14F-4D97-AF65-F5344CB8AC3E}">
+        <p14:creationId xmlns:p14="http://schemas.microsoft.com/office/powerpoint/2010/main" val="300637895"/>
+      </p:ext>
+    </p:extLst>
+  </p:cSld>
+  <p:clrMapOvr>
+    <a:masterClrMapping/>
+  </p:clrMapOvr>
+</p:sld>
+</file>
+
+<file path=ppt/slides/slide16.xml><?xml version="1.0" encoding="utf-8"?>
+<p:sld xmlns:a="http://schemas.openxmlformats.org/drawingml/2006/main" xmlns:r="http://schemas.openxmlformats.org/officeDocument/2006/relationships" xmlns:p="http://schemas.openxmlformats.org/presentationml/2006/main">
+  <p:cSld>
+    <p:spTree>
+      <p:nvGrpSpPr>
+        <p:cNvPr id="1" name=""/>
+        <p:cNvGrpSpPr/>
+        <p:nvPr/>
+      </p:nvGrpSpPr>
+      <p:grpSpPr>
+        <a:xfrm>
+          <a:off x="0" y="0"/>
+          <a:ext cx="0" cy="0"/>
+          <a:chOff x="0" y="0"/>
+          <a:chExt cx="0" cy="0"/>
+        </a:xfrm>
+      </p:grpSpPr>
+      <p:sp>
+        <p:nvSpPr>
+          <p:cNvPr id="2" name="Title 1">
+            <a:extLst>
+              <a:ext uri="{FF2B5EF4-FFF2-40B4-BE49-F238E27FC236}">
+                <a16:creationId xmlns:a16="http://schemas.microsoft.com/office/drawing/2014/main" id="{EE337E25-5CCE-1D4A-A3C7-842E2B416B25}"/>
+              </a:ext>
+            </a:extLst>
+          </p:cNvPr>
+          <p:cNvSpPr>
+            <a:spLocks noGrp="1"/>
+          </p:cNvSpPr>
+          <p:nvPr>
+            <p:ph type="title"/>
+          </p:nvPr>
+        </p:nvSpPr>
+        <p:spPr/>
+        <p:txBody>
+          <a:bodyPr/>
+          <a:lstStyle/>
+          <a:p>
+            <a:r>
+              <a:rPr lang="zh-CN" altLang="en-US" dirty="0"/>
+              <a:t>坑点三：</a:t>
+            </a:r>
+            <a:r>
+              <a:rPr lang="en-US" dirty="0"/>
+              <a:t>Guacamole</a:t>
+            </a:r>
+            <a:r>
+              <a:rPr lang="zh-CN" altLang="en-US" dirty="0"/>
+              <a:t>断开失败</a:t>
+            </a:r>
+            <a:endParaRPr lang="en-US" dirty="0"/>
+          </a:p>
+        </p:txBody>
+      </p:sp>
+      <p:sp>
+        <p:nvSpPr>
+          <p:cNvPr id="3" name="Content Placeholder 2">
+            <a:extLst>
+              <a:ext uri="{FF2B5EF4-FFF2-40B4-BE49-F238E27FC236}">
+                <a16:creationId xmlns:a16="http://schemas.microsoft.com/office/drawing/2014/main" id="{98D1164D-38F2-3D46-AADA-2721ADB9A47B}"/>
+              </a:ext>
+            </a:extLst>
+          </p:cNvPr>
+          <p:cNvSpPr>
+            <a:spLocks noGrp="1"/>
+          </p:cNvSpPr>
+          <p:nvPr>
+            <p:ph idx="1"/>
+          </p:nvPr>
+        </p:nvSpPr>
+        <p:spPr/>
+        <p:txBody>
+          <a:bodyPr>
+            <a:normAutofit/>
+          </a:bodyPr>
+          <a:lstStyle/>
+          <a:p>
+            <a:r>
+              <a:rPr lang="zh-CN" altLang="en-US" dirty="0"/>
+              <a:t>有时候调用</a:t>
+            </a:r>
+            <a:r>
+              <a:rPr lang="en-US" dirty="0"/>
+              <a:t>Guacamole</a:t>
+            </a:r>
+            <a:r>
+              <a:rPr lang="zh-CN" altLang="en-US" dirty="0"/>
+              <a:t>的</a:t>
+            </a:r>
+            <a:r>
+              <a:rPr lang="en-US" dirty="0"/>
+              <a:t>disconnect，</a:t>
+            </a:r>
+            <a:r>
+              <a:rPr lang="zh-CN" altLang="en-US" dirty="0"/>
+              <a:t>连接并没有断开，虽然</a:t>
+            </a:r>
+            <a:r>
+              <a:rPr lang="en-US" dirty="0" err="1"/>
+              <a:t>dom</a:t>
+            </a:r>
+            <a:r>
+              <a:rPr lang="zh-CN" altLang="en-US" dirty="0"/>
+              <a:t>已经销毁，但是连接还在狂刷数据</a:t>
+            </a:r>
+            <a:r>
+              <a:rPr lang="zh-Hans" altLang="en-US" dirty="0"/>
+              <a:t>。</a:t>
+            </a:r>
+            <a:endParaRPr lang="zh-CN" altLang="en-US" dirty="0"/>
+          </a:p>
+        </p:txBody>
+      </p:sp>
+      <p:pic>
+        <p:nvPicPr>
+          <p:cNvPr id="4" name="Picture 3">
+            <a:extLst>
+              <a:ext uri="{FF2B5EF4-FFF2-40B4-BE49-F238E27FC236}">
+                <a16:creationId xmlns:a16="http://schemas.microsoft.com/office/drawing/2014/main" id="{AE5F9F45-F970-864D-B87A-230E6886B988}"/>
+              </a:ext>
+            </a:extLst>
+          </p:cNvPr>
+          <p:cNvPicPr>
+            <a:picLocks noChangeAspect="1"/>
+          </p:cNvPicPr>
+          <p:nvPr/>
+        </p:nvPicPr>
+        <p:blipFill>
+          <a:blip r:embed="rId2"/>
+          <a:stretch>
+            <a:fillRect/>
+          </a:stretch>
+        </p:blipFill>
+        <p:spPr>
+          <a:xfrm>
+            <a:off x="1185562" y="2619976"/>
+            <a:ext cx="8585200" cy="4089400"/>
+          </a:xfrm>
+          <a:prstGeom prst="rect">
+            <a:avLst/>
+          </a:prstGeom>
+        </p:spPr>
+      </p:pic>
+    </p:spTree>
+    <p:extLst>
+      <p:ext uri="{BB962C8B-B14F-4D97-AF65-F5344CB8AC3E}">
+        <p14:creationId xmlns:p14="http://schemas.microsoft.com/office/powerpoint/2010/main" val="482712184"/>
+      </p:ext>
+    </p:extLst>
   </p:cSld>
   <p:clrMapOvr>
     <a:masterClrMapping/>
@@ -2980,7 +3997,14 @@
         <p:cNvGrpSpPr/>
         <p:nvPr/>
       </p:nvGrpSpPr>
-      <p:grpSpPr/>
+      <p:grpSpPr>
+        <a:xfrm>
+          <a:off x="0" y="0"/>
+          <a:ext cx="0" cy="0"/>
+          <a:chOff x="0" y="0"/>
+          <a:chExt cx="0" cy="0"/>
+        </a:xfrm>
+      </p:grpSpPr>
       <p:sp>
         <p:nvSpPr>
           <p:cNvPr id="2" name="标题 1"/>
@@ -2994,16 +4018,16 @@
         <p:spPr/>
         <p:txBody>
           <a:bodyPr/>
-          <a:p>
-            <a:r>
-              <a:rPr lang="en-US" altLang="zh-CN"/>
+          <a:lstStyle/>
+          <a:p>
+            <a:r>
+              <a:rPr lang="en-US" altLang="zh-CN" dirty="0"/>
               <a:t>1.</a:t>
             </a:r>
             <a:r>
-              <a:rPr lang="zh-CN" altLang="en-US"/>
+              <a:rPr lang="zh-CN" altLang="en-US" dirty="0"/>
               <a:t>介绍</a:t>
             </a:r>
-            <a:endParaRPr lang="zh-CN" altLang="en-US"/>
           </a:p>
         </p:txBody>
       </p:sp>
@@ -3011,14 +4035,14 @@
         <p:nvPicPr>
           <p:cNvPr id="4" name="内容占位符 3"/>
           <p:cNvPicPr>
-            <a:picLocks noChangeAspect="1"/>
+            <a:picLocks noGrp="1" noChangeAspect="1"/>
           </p:cNvPicPr>
           <p:nvPr>
             <p:ph idx="1"/>
           </p:nvPr>
         </p:nvPicPr>
         <p:blipFill>
-          <a:blip r:embed="rId1"/>
+          <a:blip r:embed="rId2"/>
           <a:stretch>
             <a:fillRect/>
           </a:stretch>
@@ -3042,7 +4066,7 @@
         <p:spPr>
           <a:xfrm>
             <a:off x="5646420" y="1796415"/>
-            <a:ext cx="4751070" cy="2837180"/>
+            <a:ext cx="4751070" cy="3170099"/>
           </a:xfrm>
           <a:prstGeom prst="rect">
             <a:avLst/>
@@ -3053,38 +4077,39 @@
           <a:bodyPr wrap="square" rtlCol="0" anchor="t">
             <a:spAutoFit/>
           </a:bodyPr>
-          <a:p>
-            <a:r>
-              <a:rPr lang="zh-CN" altLang="en-US">
+          <a:lstStyle/>
+          <a:p>
+            <a:r>
+              <a:rPr lang="zh-CN" altLang="en-US" sz="2000" dirty="0">
                 <a:sym typeface="+mn-ea"/>
               </a:rPr>
               <a:t>Apache Guacamole is a clientless remote desktop gateway. It supports standard protocols like VNC, RDP, and SSH.</a:t>
             </a:r>
-            <a:endParaRPr lang="zh-CN" altLang="en-US"/>
-          </a:p>
-          <a:p>
-            <a:endParaRPr lang="zh-CN" altLang="en-US"/>
-          </a:p>
-          <a:p>
-            <a:r>
-              <a:rPr lang="zh-CN" altLang="en-US">
+            <a:endParaRPr lang="zh-CN" altLang="en-US" sz="2000" dirty="0"/>
+          </a:p>
+          <a:p>
+            <a:endParaRPr lang="zh-CN" altLang="en-US" sz="2000" dirty="0"/>
+          </a:p>
+          <a:p>
+            <a:r>
+              <a:rPr lang="zh-CN" altLang="en-US" sz="2000" dirty="0">
                 <a:sym typeface="+mn-ea"/>
               </a:rPr>
               <a:t>We call it clientless because no plugins or client software are required.</a:t>
             </a:r>
-            <a:endParaRPr lang="zh-CN" altLang="en-US"/>
-          </a:p>
-          <a:p>
-            <a:endParaRPr lang="zh-CN" altLang="en-US"/>
-          </a:p>
-          <a:p>
-            <a:r>
-              <a:rPr lang="zh-CN" altLang="en-US">
+            <a:endParaRPr lang="zh-CN" altLang="en-US" sz="2000" dirty="0"/>
+          </a:p>
+          <a:p>
+            <a:endParaRPr lang="zh-CN" altLang="en-US" sz="2000" dirty="0"/>
+          </a:p>
+          <a:p>
+            <a:r>
+              <a:rPr lang="zh-CN" altLang="en-US" sz="2000" dirty="0">
                 <a:sym typeface="+mn-ea"/>
               </a:rPr>
               <a:t>Thanks to HTML5, once Guacamole is installed on a server, all you need to access your desktops is a web browser.</a:t>
             </a:r>
-            <a:endParaRPr lang="zh-CN" altLang="en-US"/>
+            <a:endParaRPr lang="zh-CN" altLang="en-US" sz="2000" dirty="0"/>
           </a:p>
         </p:txBody>
       </p:sp>
@@ -3105,7 +4130,702 @@
         <p:cNvGrpSpPr/>
         <p:nvPr/>
       </p:nvGrpSpPr>
-      <p:grpSpPr/>
+      <p:grpSpPr>
+        <a:xfrm>
+          <a:off x="0" y="0"/>
+          <a:ext cx="0" cy="0"/>
+          <a:chOff x="0" y="0"/>
+          <a:chExt cx="0" cy="0"/>
+        </a:xfrm>
+      </p:grpSpPr>
+      <p:sp>
+        <p:nvSpPr>
+          <p:cNvPr id="2" name="Title 1">
+            <a:extLst>
+              <a:ext uri="{FF2B5EF4-FFF2-40B4-BE49-F238E27FC236}">
+                <a16:creationId xmlns:a16="http://schemas.microsoft.com/office/drawing/2014/main" id="{3CDCAB79-4BA4-7E4B-BD14-9AF4182C5FE7}"/>
+              </a:ext>
+            </a:extLst>
+          </p:cNvPr>
+          <p:cNvSpPr>
+            <a:spLocks noGrp="1"/>
+          </p:cNvSpPr>
+          <p:nvPr>
+            <p:ph type="title"/>
+          </p:nvPr>
+        </p:nvSpPr>
+        <p:spPr>
+          <a:xfrm>
+            <a:off x="306859" y="155060"/>
+            <a:ext cx="10515600" cy="5590832"/>
+          </a:xfrm>
+        </p:spPr>
+        <p:txBody>
+          <a:bodyPr>
+            <a:normAutofit/>
+          </a:bodyPr>
+          <a:lstStyle/>
+          <a:p>
+            <a:r>
+              <a:rPr lang="en-US" sz="2800" dirty="0">
+                <a:latin typeface="+mn-lt"/>
+                <a:ea typeface="+mn-ea"/>
+                <a:cs typeface="+mn-cs"/>
+              </a:rPr>
+              <a:t>Guacamole </a:t>
+            </a:r>
+            <a:r>
+              <a:rPr lang="zh-CN" altLang="en-US" sz="2800" dirty="0">
+                <a:latin typeface="+mn-lt"/>
+                <a:ea typeface="+mn-ea"/>
+                <a:cs typeface="+mn-cs"/>
+              </a:rPr>
+              <a:t>是一个基于 </a:t>
+            </a:r>
+            <a:r>
+              <a:rPr lang="en-US" sz="2800" dirty="0">
+                <a:latin typeface="+mn-lt"/>
+                <a:ea typeface="+mn-ea"/>
+                <a:cs typeface="+mn-cs"/>
+              </a:rPr>
+              <a:t>HTML 5 </a:t>
+            </a:r>
+            <a:r>
+              <a:rPr lang="zh-CN" altLang="en-US" sz="2800" dirty="0">
+                <a:latin typeface="+mn-lt"/>
+                <a:ea typeface="+mn-ea"/>
+                <a:cs typeface="+mn-cs"/>
+              </a:rPr>
+              <a:t>和 </a:t>
+            </a:r>
+            <a:r>
+              <a:rPr lang="en-US" sz="2800" dirty="0">
+                <a:latin typeface="+mn-lt"/>
+                <a:ea typeface="+mn-ea"/>
+                <a:cs typeface="+mn-cs"/>
+              </a:rPr>
+              <a:t>JavaScript </a:t>
+            </a:r>
+            <a:r>
+              <a:rPr lang="zh-CN" altLang="en-US" sz="2800" dirty="0">
+                <a:latin typeface="+mn-lt"/>
+                <a:ea typeface="+mn-ea"/>
+                <a:cs typeface="+mn-cs"/>
+              </a:rPr>
+              <a:t>的 </a:t>
+            </a:r>
+            <a:r>
+              <a:rPr lang="en-US" sz="2800" dirty="0">
+                <a:latin typeface="+mn-lt"/>
+                <a:ea typeface="+mn-ea"/>
+                <a:cs typeface="+mn-cs"/>
+              </a:rPr>
+              <a:t>VNC </a:t>
+            </a:r>
+            <a:r>
+              <a:rPr lang="zh-CN" altLang="en-US" sz="2800" dirty="0">
+                <a:latin typeface="+mn-lt"/>
+                <a:ea typeface="+mn-ea"/>
+                <a:cs typeface="+mn-cs"/>
+              </a:rPr>
+              <a:t>查看器，服务端基于 </a:t>
+            </a:r>
+            <a:r>
+              <a:rPr lang="en-US" sz="2800" dirty="0">
+                <a:latin typeface="+mn-lt"/>
+                <a:ea typeface="+mn-ea"/>
+                <a:cs typeface="+mn-cs"/>
+              </a:rPr>
+              <a:t>Java </a:t>
+            </a:r>
+            <a:r>
+              <a:rPr lang="zh-CN" altLang="en-US" sz="2800" dirty="0">
+                <a:latin typeface="+mn-lt"/>
+                <a:ea typeface="+mn-ea"/>
+                <a:cs typeface="+mn-cs"/>
+              </a:rPr>
+              <a:t>的 </a:t>
+            </a:r>
+            <a:r>
+              <a:rPr lang="en-US" sz="2800" dirty="0">
+                <a:latin typeface="+mn-lt"/>
+                <a:ea typeface="+mn-ea"/>
+                <a:cs typeface="+mn-cs"/>
+              </a:rPr>
+              <a:t>VNC-to-XML </a:t>
+            </a:r>
+            <a:r>
+              <a:rPr lang="zh-CN" altLang="en-US" sz="2800" dirty="0">
+                <a:latin typeface="+mn-lt"/>
+                <a:ea typeface="+mn-ea"/>
+                <a:cs typeface="+mn-cs"/>
+              </a:rPr>
+              <a:t>代理开发。要求浏览器支持</a:t>
+            </a:r>
+            <a:r>
+              <a:rPr lang="en-US" sz="2800" dirty="0">
+                <a:latin typeface="+mn-lt"/>
+                <a:ea typeface="+mn-ea"/>
+                <a:cs typeface="+mn-cs"/>
+              </a:rPr>
+              <a:t>HTML5。</a:t>
+            </a:r>
+            <a:br>
+              <a:rPr lang="en-US" dirty="0"/>
+            </a:br>
+            <a:br>
+              <a:rPr lang="en-US" dirty="0"/>
+            </a:br>
+            <a:r>
+              <a:rPr lang="en-US" dirty="0"/>
+              <a:t>									</a:t>
+            </a:r>
+            <a:r>
+              <a:rPr lang="en-US" altLang="zh-Hans" sz="2800" dirty="0">
+                <a:latin typeface="+mn-lt"/>
+                <a:ea typeface="+mn-ea"/>
+                <a:cs typeface="+mn-cs"/>
+              </a:rPr>
+              <a:t>——</a:t>
+            </a:r>
+            <a:r>
+              <a:rPr lang="zh-Hans" altLang="en-US" sz="2800" dirty="0">
+                <a:latin typeface="+mn-lt"/>
+                <a:ea typeface="+mn-ea"/>
+                <a:cs typeface="+mn-cs"/>
+              </a:rPr>
+              <a:t>百度百科</a:t>
+            </a:r>
+            <a:endParaRPr lang="en-US" sz="2800" dirty="0">
+              <a:latin typeface="+mn-lt"/>
+              <a:ea typeface="+mn-ea"/>
+              <a:cs typeface="+mn-cs"/>
+            </a:endParaRPr>
+          </a:p>
+        </p:txBody>
+      </p:sp>
+    </p:spTree>
+    <p:extLst>
+      <p:ext uri="{BB962C8B-B14F-4D97-AF65-F5344CB8AC3E}">
+        <p14:creationId xmlns:p14="http://schemas.microsoft.com/office/powerpoint/2010/main" val="1614708902"/>
+      </p:ext>
+    </p:extLst>
+  </p:cSld>
+  <p:clrMapOvr>
+    <a:masterClrMapping/>
+  </p:clrMapOvr>
+</p:sld>
+</file>
+
+<file path=ppt/slides/slide4.xml><?xml version="1.0" encoding="utf-8"?>
+<p:sld xmlns:a="http://schemas.openxmlformats.org/drawingml/2006/main" xmlns:r="http://schemas.openxmlformats.org/officeDocument/2006/relationships" xmlns:p="http://schemas.openxmlformats.org/presentationml/2006/main">
+  <p:cSld>
+    <p:spTree>
+      <p:nvGrpSpPr>
+        <p:cNvPr id="1" name=""/>
+        <p:cNvGrpSpPr/>
+        <p:nvPr/>
+      </p:nvGrpSpPr>
+      <p:grpSpPr>
+        <a:xfrm>
+          <a:off x="0" y="0"/>
+          <a:ext cx="0" cy="0"/>
+          <a:chOff x="0" y="0"/>
+          <a:chExt cx="0" cy="0"/>
+        </a:xfrm>
+      </p:grpSpPr>
+      <p:sp>
+        <p:nvSpPr>
+          <p:cNvPr id="2" name="Title 1">
+            <a:extLst>
+              <a:ext uri="{FF2B5EF4-FFF2-40B4-BE49-F238E27FC236}">
+                <a16:creationId xmlns:a16="http://schemas.microsoft.com/office/drawing/2014/main" id="{10267882-255C-1A48-9BFB-937EB8CB1BBA}"/>
+              </a:ext>
+            </a:extLst>
+          </p:cNvPr>
+          <p:cNvSpPr>
+            <a:spLocks noGrp="1"/>
+          </p:cNvSpPr>
+          <p:nvPr>
+            <p:ph type="title"/>
+          </p:nvPr>
+        </p:nvSpPr>
+        <p:spPr/>
+        <p:txBody>
+          <a:bodyPr/>
+          <a:lstStyle/>
+          <a:p>
+            <a:r>
+              <a:rPr lang="en-US" altLang="zh-Hans" dirty="0"/>
+              <a:t>1.1</a:t>
+            </a:r>
+            <a:r>
+              <a:rPr lang="zh-Hans" altLang="en-US" dirty="0"/>
+              <a:t> </a:t>
+            </a:r>
+            <a:r>
+              <a:rPr lang="zh-CN" altLang="en-US" dirty="0"/>
+              <a:t>远程桌面协议</a:t>
+            </a:r>
+            <a:endParaRPr lang="en-US" dirty="0"/>
+          </a:p>
+        </p:txBody>
+      </p:sp>
+      <p:sp>
+        <p:nvSpPr>
+          <p:cNvPr id="3" name="Content Placeholder 2">
+            <a:extLst>
+              <a:ext uri="{FF2B5EF4-FFF2-40B4-BE49-F238E27FC236}">
+                <a16:creationId xmlns:a16="http://schemas.microsoft.com/office/drawing/2014/main" id="{A97026F0-8190-DE4F-BFDD-8D5A01260ACA}"/>
+              </a:ext>
+            </a:extLst>
+          </p:cNvPr>
+          <p:cNvSpPr>
+            <a:spLocks noGrp="1"/>
+          </p:cNvSpPr>
+          <p:nvPr>
+            <p:ph idx="1"/>
+          </p:nvPr>
+        </p:nvSpPr>
+        <p:spPr/>
+        <p:txBody>
+          <a:bodyPr/>
+          <a:lstStyle/>
+          <a:p>
+            <a:r>
+              <a:rPr lang="zh-Hans" altLang="en-US" dirty="0"/>
+              <a:t> </a:t>
+            </a:r>
+            <a:r>
+              <a:rPr lang="en-US" dirty="0"/>
+              <a:t>VNC</a:t>
+            </a:r>
+          </a:p>
+          <a:p>
+            <a:r>
+              <a:rPr lang="zh-Hans" altLang="en-US" dirty="0"/>
+              <a:t> </a:t>
+            </a:r>
+            <a:r>
+              <a:rPr lang="en-US" dirty="0"/>
+              <a:t>SPICE</a:t>
+            </a:r>
+          </a:p>
+          <a:p>
+            <a:r>
+              <a:rPr lang="zh-Hans" altLang="en-US" dirty="0"/>
+              <a:t> </a:t>
+            </a:r>
+            <a:r>
+              <a:rPr lang="en-US" dirty="0"/>
+              <a:t>RDP</a:t>
+            </a:r>
+          </a:p>
+        </p:txBody>
+      </p:sp>
+    </p:spTree>
+    <p:extLst>
+      <p:ext uri="{BB962C8B-B14F-4D97-AF65-F5344CB8AC3E}">
+        <p14:creationId xmlns:p14="http://schemas.microsoft.com/office/powerpoint/2010/main" val="3673983434"/>
+      </p:ext>
+    </p:extLst>
+  </p:cSld>
+  <p:clrMapOvr>
+    <a:masterClrMapping/>
+  </p:clrMapOvr>
+</p:sld>
+</file>
+
+<file path=ppt/slides/slide5.xml><?xml version="1.0" encoding="utf-8"?>
+<p:sld xmlns:a="http://schemas.openxmlformats.org/drawingml/2006/main" xmlns:r="http://schemas.openxmlformats.org/officeDocument/2006/relationships" xmlns:p="http://schemas.openxmlformats.org/presentationml/2006/main">
+  <p:cSld>
+    <p:spTree>
+      <p:nvGrpSpPr>
+        <p:cNvPr id="1" name=""/>
+        <p:cNvGrpSpPr/>
+        <p:nvPr/>
+      </p:nvGrpSpPr>
+      <p:grpSpPr>
+        <a:xfrm>
+          <a:off x="0" y="0"/>
+          <a:ext cx="0" cy="0"/>
+          <a:chOff x="0" y="0"/>
+          <a:chExt cx="0" cy="0"/>
+        </a:xfrm>
+      </p:grpSpPr>
+      <p:sp>
+        <p:nvSpPr>
+          <p:cNvPr id="2" name="Title 1">
+            <a:extLst>
+              <a:ext uri="{FF2B5EF4-FFF2-40B4-BE49-F238E27FC236}">
+                <a16:creationId xmlns:a16="http://schemas.microsoft.com/office/drawing/2014/main" id="{3812245D-E4D2-6145-B014-B872A2DB67D3}"/>
+              </a:ext>
+            </a:extLst>
+          </p:cNvPr>
+          <p:cNvSpPr>
+            <a:spLocks noGrp="1"/>
+          </p:cNvSpPr>
+          <p:nvPr>
+            <p:ph type="title"/>
+          </p:nvPr>
+        </p:nvSpPr>
+        <p:spPr/>
+        <p:txBody>
+          <a:bodyPr/>
+          <a:lstStyle/>
+          <a:p>
+            <a:r>
+              <a:rPr lang="en-US" dirty="0"/>
+              <a:t>VNC</a:t>
+            </a:r>
+          </a:p>
+        </p:txBody>
+      </p:sp>
+      <p:sp>
+        <p:nvSpPr>
+          <p:cNvPr id="3" name="Content Placeholder 2">
+            <a:extLst>
+              <a:ext uri="{FF2B5EF4-FFF2-40B4-BE49-F238E27FC236}">
+                <a16:creationId xmlns:a16="http://schemas.microsoft.com/office/drawing/2014/main" id="{77C6C37C-6BD0-864E-A62C-9903B0B41959}"/>
+              </a:ext>
+            </a:extLst>
+          </p:cNvPr>
+          <p:cNvSpPr>
+            <a:spLocks noGrp="1"/>
+          </p:cNvSpPr>
+          <p:nvPr>
+            <p:ph idx="1"/>
+          </p:nvPr>
+        </p:nvSpPr>
+        <p:spPr/>
+        <p:txBody>
+          <a:bodyPr/>
+          <a:lstStyle/>
+          <a:p>
+            <a:r>
+              <a:rPr lang="zh-CN" altLang="en-US" dirty="0"/>
+              <a:t>适用系统：</a:t>
+            </a:r>
+            <a:r>
+              <a:rPr lang="en-US" dirty="0" err="1"/>
+              <a:t>windows、linux</a:t>
+            </a:r>
+            <a:endParaRPr lang="en-US" dirty="0"/>
+          </a:p>
+          <a:p>
+            <a:r>
+              <a:rPr lang="zh-CN" altLang="en-US" dirty="0"/>
+              <a:t>网络流量：较小，常用</a:t>
+            </a:r>
+            <a:r>
+              <a:rPr lang="en-US" altLang="zh-CN" dirty="0"/>
+              <a:t>100</a:t>
+            </a:r>
+            <a:r>
+              <a:rPr lang="en-US" dirty="0"/>
+              <a:t>k</a:t>
+            </a:r>
+            <a:r>
+              <a:rPr lang="zh-CN" altLang="en-US" dirty="0"/>
+              <a:t>左右</a:t>
+            </a:r>
+          </a:p>
+          <a:p>
+            <a:r>
+              <a:rPr lang="zh-CN" altLang="en-US" dirty="0"/>
+              <a:t>适用场景：主要用于</a:t>
+            </a:r>
+            <a:r>
+              <a:rPr lang="en-US" dirty="0" err="1"/>
+              <a:t>linux</a:t>
+            </a:r>
+            <a:r>
+              <a:rPr lang="zh-CN" altLang="en-US" dirty="0"/>
+              <a:t>的服务器的管理，由于无声音和</a:t>
+            </a:r>
+            <a:r>
+              <a:rPr lang="en-US" dirty="0" err="1"/>
+              <a:t>usb</a:t>
+            </a:r>
+            <a:r>
+              <a:rPr lang="zh-CN" altLang="en-US" dirty="0"/>
+              <a:t>传输，不满足于虚拟桌面的使用</a:t>
+            </a:r>
+          </a:p>
+        </p:txBody>
+      </p:sp>
+    </p:spTree>
+    <p:extLst>
+      <p:ext uri="{BB962C8B-B14F-4D97-AF65-F5344CB8AC3E}">
+        <p14:creationId xmlns:p14="http://schemas.microsoft.com/office/powerpoint/2010/main" val="3231571259"/>
+      </p:ext>
+    </p:extLst>
+  </p:cSld>
+  <p:clrMapOvr>
+    <a:masterClrMapping/>
+  </p:clrMapOvr>
+</p:sld>
+</file>
+
+<file path=ppt/slides/slide6.xml><?xml version="1.0" encoding="utf-8"?>
+<p:sld xmlns:a="http://schemas.openxmlformats.org/drawingml/2006/main" xmlns:r="http://schemas.openxmlformats.org/officeDocument/2006/relationships" xmlns:p="http://schemas.openxmlformats.org/presentationml/2006/main">
+  <p:cSld>
+    <p:spTree>
+      <p:nvGrpSpPr>
+        <p:cNvPr id="1" name=""/>
+        <p:cNvGrpSpPr/>
+        <p:nvPr/>
+      </p:nvGrpSpPr>
+      <p:grpSpPr>
+        <a:xfrm>
+          <a:off x="0" y="0"/>
+          <a:ext cx="0" cy="0"/>
+          <a:chOff x="0" y="0"/>
+          <a:chExt cx="0" cy="0"/>
+        </a:xfrm>
+      </p:grpSpPr>
+      <p:sp>
+        <p:nvSpPr>
+          <p:cNvPr id="2" name="Title 1">
+            <a:extLst>
+              <a:ext uri="{FF2B5EF4-FFF2-40B4-BE49-F238E27FC236}">
+                <a16:creationId xmlns:a16="http://schemas.microsoft.com/office/drawing/2014/main" id="{D09C8E68-09E5-0D46-967B-B830FF112F66}"/>
+              </a:ext>
+            </a:extLst>
+          </p:cNvPr>
+          <p:cNvSpPr>
+            <a:spLocks noGrp="1"/>
+          </p:cNvSpPr>
+          <p:nvPr>
+            <p:ph type="title"/>
+          </p:nvPr>
+        </p:nvSpPr>
+        <p:spPr/>
+        <p:txBody>
+          <a:bodyPr/>
+          <a:lstStyle/>
+          <a:p>
+            <a:r>
+              <a:rPr lang="en-US" dirty="0"/>
+              <a:t>SPICE</a:t>
+            </a:r>
+          </a:p>
+        </p:txBody>
+      </p:sp>
+      <p:sp>
+        <p:nvSpPr>
+          <p:cNvPr id="3" name="Content Placeholder 2">
+            <a:extLst>
+              <a:ext uri="{FF2B5EF4-FFF2-40B4-BE49-F238E27FC236}">
+                <a16:creationId xmlns:a16="http://schemas.microsoft.com/office/drawing/2014/main" id="{6727DB5F-B7BE-D84C-BBBF-B5B34A41564C}"/>
+              </a:ext>
+            </a:extLst>
+          </p:cNvPr>
+          <p:cNvSpPr>
+            <a:spLocks noGrp="1"/>
+          </p:cNvSpPr>
+          <p:nvPr>
+            <p:ph idx="1"/>
+          </p:nvPr>
+        </p:nvSpPr>
+        <p:spPr/>
+        <p:txBody>
+          <a:bodyPr/>
+          <a:lstStyle/>
+          <a:p>
+            <a:r>
+              <a:rPr lang="zh-CN" altLang="en-US" dirty="0"/>
+              <a:t>适用系统：</a:t>
+            </a:r>
+            <a:r>
+              <a:rPr lang="en-US" dirty="0" err="1"/>
+              <a:t>linux</a:t>
+            </a:r>
+            <a:endParaRPr lang="en-US" dirty="0"/>
+          </a:p>
+          <a:p>
+            <a:r>
+              <a:rPr lang="zh-CN" altLang="en-US" dirty="0"/>
+              <a:t>网络流量：较大，正常使用</a:t>
+            </a:r>
+            <a:r>
+              <a:rPr lang="en-US" altLang="zh-CN" dirty="0"/>
+              <a:t>10-20</a:t>
+            </a:r>
+            <a:r>
+              <a:rPr lang="en-US" dirty="0"/>
+              <a:t>M</a:t>
+            </a:r>
+          </a:p>
+          <a:p>
+            <a:r>
+              <a:rPr lang="zh-CN" altLang="en-US" dirty="0"/>
+              <a:t>适用场景：由于在色彩、音频和</a:t>
+            </a:r>
+            <a:r>
+              <a:rPr lang="en-US" dirty="0" err="1"/>
+              <a:t>usb</a:t>
+            </a:r>
+            <a:r>
+              <a:rPr lang="zh-CN" altLang="en-US" dirty="0"/>
+              <a:t>方面，适用于虚拟桌面，主要用于虚拟机的虚拟桌面应用</a:t>
+            </a:r>
+          </a:p>
+        </p:txBody>
+      </p:sp>
+    </p:spTree>
+    <p:extLst>
+      <p:ext uri="{BB962C8B-B14F-4D97-AF65-F5344CB8AC3E}">
+        <p14:creationId xmlns:p14="http://schemas.microsoft.com/office/powerpoint/2010/main" val="1796114419"/>
+      </p:ext>
+    </p:extLst>
+  </p:cSld>
+  <p:clrMapOvr>
+    <a:masterClrMapping/>
+  </p:clrMapOvr>
+</p:sld>
+</file>
+
+<file path=ppt/slides/slide7.xml><?xml version="1.0" encoding="utf-8"?>
+<p:sld xmlns:a="http://schemas.openxmlformats.org/drawingml/2006/main" xmlns:r="http://schemas.openxmlformats.org/officeDocument/2006/relationships" xmlns:p="http://schemas.openxmlformats.org/presentationml/2006/main">
+  <p:cSld>
+    <p:spTree>
+      <p:nvGrpSpPr>
+        <p:cNvPr id="1" name=""/>
+        <p:cNvGrpSpPr/>
+        <p:nvPr/>
+      </p:nvGrpSpPr>
+      <p:grpSpPr>
+        <a:xfrm>
+          <a:off x="0" y="0"/>
+          <a:ext cx="0" cy="0"/>
+          <a:chOff x="0" y="0"/>
+          <a:chExt cx="0" cy="0"/>
+        </a:xfrm>
+      </p:grpSpPr>
+      <p:sp>
+        <p:nvSpPr>
+          <p:cNvPr id="2" name="Title 1">
+            <a:extLst>
+              <a:ext uri="{FF2B5EF4-FFF2-40B4-BE49-F238E27FC236}">
+                <a16:creationId xmlns:a16="http://schemas.microsoft.com/office/drawing/2014/main" id="{6F141A00-0F46-A842-939B-F4D0B4A9CAA6}"/>
+              </a:ext>
+            </a:extLst>
+          </p:cNvPr>
+          <p:cNvSpPr>
+            <a:spLocks noGrp="1"/>
+          </p:cNvSpPr>
+          <p:nvPr>
+            <p:ph type="title"/>
+          </p:nvPr>
+        </p:nvSpPr>
+        <p:spPr/>
+        <p:txBody>
+          <a:bodyPr/>
+          <a:lstStyle/>
+          <a:p>
+            <a:r>
+              <a:rPr lang="en-US" dirty="0"/>
+              <a:t>RDP</a:t>
+            </a:r>
+          </a:p>
+        </p:txBody>
+      </p:sp>
+      <p:sp>
+        <p:nvSpPr>
+          <p:cNvPr id="3" name="Content Placeholder 2">
+            <a:extLst>
+              <a:ext uri="{FF2B5EF4-FFF2-40B4-BE49-F238E27FC236}">
+                <a16:creationId xmlns:a16="http://schemas.microsoft.com/office/drawing/2014/main" id="{3EAC0600-BA88-CA4D-A55C-37F4CE3A0C32}"/>
+              </a:ext>
+            </a:extLst>
+          </p:cNvPr>
+          <p:cNvSpPr>
+            <a:spLocks noGrp="1"/>
+          </p:cNvSpPr>
+          <p:nvPr>
+            <p:ph idx="1"/>
+          </p:nvPr>
+        </p:nvSpPr>
+        <p:spPr/>
+        <p:txBody>
+          <a:bodyPr/>
+          <a:lstStyle/>
+          <a:p>
+            <a:r>
+              <a:rPr lang="zh-CN" altLang="en-US" dirty="0"/>
+              <a:t>适用系统：</a:t>
+            </a:r>
+            <a:r>
+              <a:rPr lang="en-US" dirty="0" err="1"/>
+              <a:t>windows、linux</a:t>
+            </a:r>
+            <a:endParaRPr lang="en-US" dirty="0"/>
+          </a:p>
+          <a:p>
+            <a:r>
+              <a:rPr lang="zh-CN" altLang="en-US" dirty="0"/>
+              <a:t>网络流量：较小，正常使用</a:t>
+            </a:r>
+            <a:r>
+              <a:rPr lang="en-US" altLang="zh-CN" dirty="0"/>
+              <a:t>100-200</a:t>
+            </a:r>
+            <a:r>
+              <a:rPr lang="en-US" dirty="0"/>
+              <a:t>k</a:t>
+            </a:r>
+            <a:r>
+              <a:rPr lang="zh-CN" altLang="en-US" dirty="0"/>
+              <a:t>左右</a:t>
+            </a:r>
+          </a:p>
+          <a:p>
+            <a:r>
+              <a:rPr lang="zh-CN" altLang="en-US" dirty="0"/>
+              <a:t>适用场景：由于在色彩、音频、</a:t>
+            </a:r>
+            <a:r>
+              <a:rPr lang="en-US" dirty="0" err="1"/>
+              <a:t>usb</a:t>
+            </a:r>
+            <a:r>
+              <a:rPr lang="zh-CN" altLang="en-US" dirty="0"/>
+              <a:t>及本地磁盘映射方面较好，非常适用于虚拟桌面</a:t>
+            </a:r>
+          </a:p>
+        </p:txBody>
+      </p:sp>
+    </p:spTree>
+    <p:extLst>
+      <p:ext uri="{BB962C8B-B14F-4D97-AF65-F5344CB8AC3E}">
+        <p14:creationId xmlns:p14="http://schemas.microsoft.com/office/powerpoint/2010/main" val="3945426924"/>
+      </p:ext>
+    </p:extLst>
+  </p:cSld>
+  <p:clrMapOvr>
+    <a:masterClrMapping/>
+  </p:clrMapOvr>
+</p:sld>
+</file>
+
+<file path=ppt/slides/slide8.xml><?xml version="1.0" encoding="utf-8"?>
+<p:sld xmlns:a="http://schemas.openxmlformats.org/drawingml/2006/main" xmlns:r="http://schemas.openxmlformats.org/officeDocument/2006/relationships" xmlns:p="http://schemas.openxmlformats.org/presentationml/2006/main">
+  <p:cSld>
+    <p:spTree>
+      <p:nvGrpSpPr>
+        <p:cNvPr id="1" name=""/>
+        <p:cNvGrpSpPr/>
+        <p:nvPr/>
+      </p:nvGrpSpPr>
+      <p:grpSpPr>
+        <a:xfrm>
+          <a:off x="0" y="0"/>
+          <a:ext cx="0" cy="0"/>
+          <a:chOff x="0" y="0"/>
+          <a:chExt cx="0" cy="0"/>
+        </a:xfrm>
+      </p:grpSpPr>
       <p:sp>
         <p:nvSpPr>
           <p:cNvPr id="2" name="标题 1"/>
@@ -3119,6 +4839,7 @@
         <p:spPr/>
         <p:txBody>
           <a:bodyPr/>
+          <a:lstStyle/>
           <a:p>
             <a:r>
               <a:rPr lang="en-US" altLang="zh-CN"/>
@@ -3128,7 +4849,6 @@
               <a:rPr lang="zh-CN" altLang="en-US"/>
               <a:t>架构</a:t>
             </a:r>
-            <a:endParaRPr lang="zh-CN" altLang="en-US"/>
           </a:p>
         </p:txBody>
       </p:sp>
@@ -3150,19 +4870,19 @@
         </p:spPr>
         <p:txBody>
           <a:bodyPr/>
-          <a:p>
-            <a:r>
-              <a:rPr lang="zh-CN" altLang="en-US"/>
+          <a:lstStyle/>
+          <a:p>
+            <a:r>
+              <a:rPr lang="zh-CN" altLang="en-US" dirty="0"/>
               <a:t>Guacamole不是一个独立的Web应用程序，而是由许多部件组成的。Web应用程序实际上是整个项目里最小最轻量的，大部分的功能依靠Guacamole的底层组件来完成。</a:t>
             </a:r>
-            <a:endParaRPr lang="zh-CN" altLang="en-US"/>
-          </a:p>
-          <a:p>
-            <a:r>
-              <a:rPr lang="zh-CN" altLang="en-US"/>
+          </a:p>
+          <a:p>
+            <a:r>
+              <a:rPr lang="zh-CN" altLang="en-US" dirty="0"/>
               <a:t>主要由guacamoleclient、guacamole server、guacamole proxy三部分组成。</a:t>
             </a:r>
-            <a:endParaRPr lang="en-US" altLang="zh-CN"/>
+            <a:endParaRPr lang="en-US" altLang="zh-CN" dirty="0"/>
           </a:p>
         </p:txBody>
       </p:sp>
@@ -3175,7 +4895,7 @@
           <p:nvPr/>
         </p:nvPicPr>
         <p:blipFill>
-          <a:blip r:embed="rId1"/>
+          <a:blip r:embed="rId2"/>
           <a:stretch>
             <a:fillRect/>
           </a:stretch>
@@ -3198,7 +4918,7 @@
 </p:sld>
 </file>
 
-<file path=ppt/slides/slide4.xml><?xml version="1.0" encoding="utf-8"?>
+<file path=ppt/slides/slide9.xml><?xml version="1.0" encoding="utf-8"?>
 <p:sld xmlns:a="http://schemas.openxmlformats.org/drawingml/2006/main" xmlns:r="http://schemas.openxmlformats.org/officeDocument/2006/relationships" xmlns:p="http://schemas.openxmlformats.org/presentationml/2006/main">
   <p:cSld>
     <p:spTree>
@@ -3207,7 +4927,14 @@
         <p:cNvGrpSpPr/>
         <p:nvPr/>
       </p:nvGrpSpPr>
-      <p:grpSpPr/>
+      <p:grpSpPr>
+        <a:xfrm>
+          <a:off x="0" y="0"/>
+          <a:ext cx="0" cy="0"/>
+          <a:chOff x="0" y="0"/>
+          <a:chExt cx="0" cy="0"/>
+        </a:xfrm>
+      </p:grpSpPr>
       <p:sp>
         <p:nvSpPr>
           <p:cNvPr id="2" name="标题 1"/>
@@ -3221,12 +4948,24 @@
         <p:spPr/>
         <p:txBody>
           <a:bodyPr/>
-          <a:p>
-            <a:r>
-              <a:rPr lang="en-US" altLang="zh-CN"/>
-              <a:t>2.1协议(guacamole)</a:t>
-            </a:r>
-            <a:endParaRPr lang="en-US" altLang="zh-CN"/>
+          <a:lstStyle/>
+          <a:p>
+            <a:r>
+              <a:rPr lang="en-US" altLang="zh-CN" dirty="0"/>
+              <a:t>2.1</a:t>
+            </a:r>
+            <a:r>
+              <a:rPr lang="zh-Hans" altLang="en-US" dirty="0"/>
+              <a:t> </a:t>
+            </a:r>
+            <a:r>
+              <a:rPr lang="en-US" altLang="zh-CN" dirty="0" err="1"/>
+              <a:t>协议</a:t>
+            </a:r>
+            <a:r>
+              <a:rPr lang="en-US" altLang="zh-CN" dirty="0"/>
+              <a:t>(guacamole)</a:t>
+            </a:r>
           </a:p>
         </p:txBody>
       </p:sp>
@@ -3243,152 +4982,19 @@
         <p:spPr/>
         <p:txBody>
           <a:bodyPr>
-            <a:normAutofit lnSpcReduction="20000"/>
+            <a:normAutofit/>
           </a:bodyPr>
-          <a:p>
-            <a:r>
-              <a:rPr lang="zh-CN" altLang="en-US"/>
+          <a:lstStyle/>
+          <a:p>
+            <a:pPr>
+              <a:lnSpc>
+                <a:spcPct val="100000"/>
+              </a:lnSpc>
+            </a:pPr>
+            <a:r>
+              <a:rPr lang="zh-CN" altLang="en-US" dirty="0"/>
               <a:t>guacamole 协议是一个远程屏幕绘制和事件传输协议。拥有这两项能力的协议自然而然与远程桌面协议有相同的功能。guacamole协议与远程桌面协议的设计原则不同，guacamole协议本身不实现任何特定桌面系统的远程桌面功能。</a:t>
             </a:r>
-            <a:endParaRPr lang="zh-CN" altLang="en-US"/>
-          </a:p>
-          <a:p>
-            <a:r>
-              <a:rPr lang="zh-CN" altLang="en-US"/>
-              <a:t>guacd（guacamoleproxy）就是这个中间层。</a:t>
-            </a:r>
-            <a:endParaRPr lang="zh-CN" altLang="en-US"/>
-          </a:p>
-        </p:txBody>
-      </p:sp>
-    </p:spTree>
-  </p:cSld>
-  <p:clrMapOvr>
-    <a:masterClrMapping/>
-  </p:clrMapOvr>
-</p:sld>
-</file>
-
-<file path=ppt/slides/slide5.xml><?xml version="1.0" encoding="utf-8"?>
-<p:sld xmlns:a="http://schemas.openxmlformats.org/drawingml/2006/main" xmlns:r="http://schemas.openxmlformats.org/officeDocument/2006/relationships" xmlns:p="http://schemas.openxmlformats.org/presentationml/2006/main">
-  <p:cSld>
-    <p:spTree>
-      <p:nvGrpSpPr>
-        <p:cNvPr id="1" name=""/>
-        <p:cNvGrpSpPr/>
-        <p:nvPr/>
-      </p:nvGrpSpPr>
-      <p:grpSpPr/>
-      <p:sp>
-        <p:nvSpPr>
-          <p:cNvPr id="2" name="标题 1"/>
-          <p:cNvSpPr>
-            <a:spLocks noGrp="1"/>
-          </p:cNvSpPr>
-          <p:nvPr>
-            <p:ph type="title"/>
-          </p:nvPr>
-        </p:nvSpPr>
-        <p:spPr/>
-        <p:txBody>
-          <a:bodyPr/>
-          <a:p>
-            <a:r>
-              <a:rPr lang="en-US" altLang="zh-CN"/>
-              <a:t>2.2 协议格式</a:t>
-            </a:r>
-            <a:endParaRPr lang="en-US" altLang="zh-CN"/>
-          </a:p>
-        </p:txBody>
-      </p:sp>
-      <p:sp>
-        <p:nvSpPr>
-          <p:cNvPr id="3" name="内容占位符 2"/>
-          <p:cNvSpPr>
-            <a:spLocks noGrp="1"/>
-          </p:cNvSpPr>
-          <p:nvPr>
-            <p:ph idx="1"/>
-          </p:nvPr>
-        </p:nvSpPr>
-        <p:spPr/>
-        <p:txBody>
-          <a:bodyPr/>
-          <a:p>
-            <a:r>
-              <a:rPr lang="en-US" altLang="zh-CN"/>
-              <a:t> </a:t>
-            </a:r>
-            <a:r>
-              <a:rPr lang="zh-CN" altLang="en-US"/>
-              <a:t>操作码，参数1，参数2，参数3，…；</a:t>
-            </a:r>
-            <a:endParaRPr lang="zh-CN" altLang="en-US"/>
-          </a:p>
-          <a:p>
-            <a:r>
-              <a:rPr lang="zh-CN" altLang="en-US"/>
-              <a:t>服务器发往客户端，或者客户端发往服务器的消息，由任意数量的完整指令组成。客户端发往服务端的消息多数是控制指令（用于建立连接、断开连接）和事件指令（鼠标事件、键盘事件）。服务端发往客户端的消息多数是绘制指令（缓存、裁切、绘图），服务端讲客户端看作远端的屏幕</a:t>
-            </a:r>
-            <a:r>
-              <a:rPr lang="en-US" altLang="zh-CN"/>
-              <a:t>;</a:t>
-            </a:r>
-            <a:endParaRPr lang="en-US" altLang="zh-CN"/>
-          </a:p>
-        </p:txBody>
-      </p:sp>
-    </p:spTree>
-  </p:cSld>
-  <p:clrMapOvr>
-    <a:masterClrMapping/>
-  </p:clrMapOvr>
-</p:sld>
-</file>
-
-<file path=ppt/slides/slide6.xml><?xml version="1.0" encoding="utf-8"?>
-<p:sld xmlns:a="http://schemas.openxmlformats.org/drawingml/2006/main" xmlns:r="http://schemas.openxmlformats.org/officeDocument/2006/relationships" xmlns:p="http://schemas.openxmlformats.org/presentationml/2006/main">
-  <p:cSld>
-    <p:spTree>
-      <p:nvGrpSpPr>
-        <p:cNvPr id="1" name=""/>
-        <p:cNvGrpSpPr/>
-        <p:nvPr/>
-      </p:nvGrpSpPr>
-      <p:grpSpPr/>
-      <p:sp>
-        <p:nvSpPr>
-          <p:cNvPr id="2" name="标题 1"/>
-          <p:cNvSpPr>
-            <a:spLocks noGrp="1"/>
-          </p:cNvSpPr>
-          <p:nvPr>
-            <p:ph type="title"/>
-          </p:nvPr>
-        </p:nvSpPr>
-        <p:spPr/>
-        <p:txBody>
-          <a:bodyPr/>
-          <a:p>
-            <a:endParaRPr lang="zh-CN" altLang="en-US"/>
-          </a:p>
-        </p:txBody>
-      </p:sp>
-      <p:sp>
-        <p:nvSpPr>
-          <p:cNvPr id="3" name="内容占位符 2"/>
-          <p:cNvSpPr>
-            <a:spLocks noGrp="1"/>
-          </p:cNvSpPr>
-          <p:nvPr>
-            <p:ph idx="1"/>
-          </p:nvPr>
-        </p:nvSpPr>
-        <p:spPr/>
-        <p:txBody>
-          <a:bodyPr/>
-          <a:p>
-            <a:endParaRPr lang="zh-CN" altLang="en-US"/>
           </a:p>
         </p:txBody>
       </p:sp>

--- a/guacamole 介绍.pptx
+++ b/guacamole 介绍.pptx
@@ -20,7 +20,10 @@
     <p:sldId id="262" r:id="rId14"/>
     <p:sldId id="263" r:id="rId15"/>
     <p:sldId id="264" r:id="rId16"/>
-    <p:sldId id="267" r:id="rId17"/>
+    <p:sldId id="272" r:id="rId17"/>
+    <p:sldId id="267" r:id="rId18"/>
+    <p:sldId id="273" r:id="rId19"/>
+    <p:sldId id="274" r:id="rId20"/>
   </p:sldIdLst>
   <p:sldSz cx="12192000" cy="6858000"/>
   <p:notesSz cx="6858000" cy="9144000"/>
@@ -139,7 +142,10 @@
             <p14:sldId id="262"/>
             <p14:sldId id="263"/>
             <p14:sldId id="264"/>
+            <p14:sldId id="272"/>
             <p14:sldId id="267"/>
+            <p14:sldId id="273"/>
+            <p14:sldId id="274"/>
           </p14:sldIdLst>
         </p14:section>
         <p14:section name="Untitled Section" id="{1C8F5DF9-33EC-094D-96D7-BC8A87472B31}">
@@ -283,7 +289,7 @@
           <a:p>
             <a:fld id="{D997B5FA-0921-464F-AAE1-844C04324D75}" type="datetimeFigureOut">
               <a:rPr lang="zh-CN" altLang="en-US" smtClean="0"/>
-              <a:t>2018/8/6</a:t>
+              <a:t>2018/8/7</a:t>
             </a:fld>
             <a:endParaRPr lang="zh-CN" altLang="en-US"/>
           </a:p>
@@ -446,7 +452,7 @@
           <a:p>
             <a:fld id="{D997B5FA-0921-464F-AAE1-844C04324D75}" type="datetimeFigureOut">
               <a:rPr lang="zh-CN" altLang="en-US" smtClean="0"/>
-              <a:t>2018/8/6</a:t>
+              <a:t>2018/8/7</a:t>
             </a:fld>
             <a:endParaRPr lang="zh-CN" altLang="en-US"/>
           </a:p>
@@ -619,7 +625,7 @@
           <a:p>
             <a:fld id="{D997B5FA-0921-464F-AAE1-844C04324D75}" type="datetimeFigureOut">
               <a:rPr lang="zh-CN" altLang="en-US" smtClean="0"/>
-              <a:t>2018/8/6</a:t>
+              <a:t>2018/8/7</a:t>
             </a:fld>
             <a:endParaRPr lang="zh-CN" altLang="en-US"/>
           </a:p>
@@ -782,7 +788,7 @@
           <a:p>
             <a:fld id="{D997B5FA-0921-464F-AAE1-844C04324D75}" type="datetimeFigureOut">
               <a:rPr lang="zh-CN" altLang="en-US" smtClean="0"/>
-              <a:t>2018/8/6</a:t>
+              <a:t>2018/8/7</a:t>
             </a:fld>
             <a:endParaRPr lang="zh-CN" altLang="en-US"/>
           </a:p>
@@ -1022,7 +1028,7 @@
           <a:p>
             <a:fld id="{D997B5FA-0921-464F-AAE1-844C04324D75}" type="datetimeFigureOut">
               <a:rPr lang="zh-CN" altLang="en-US" smtClean="0"/>
-              <a:t>2018/8/6</a:t>
+              <a:t>2018/8/7</a:t>
             </a:fld>
             <a:endParaRPr lang="zh-CN" altLang="en-US"/>
           </a:p>
@@ -1246,7 +1252,7 @@
           <a:p>
             <a:fld id="{D997B5FA-0921-464F-AAE1-844C04324D75}" type="datetimeFigureOut">
               <a:rPr lang="zh-CN" altLang="en-US" smtClean="0"/>
-              <a:t>2018/8/6</a:t>
+              <a:t>2018/8/7</a:t>
             </a:fld>
             <a:endParaRPr lang="zh-CN" altLang="en-US"/>
           </a:p>
@@ -1605,7 +1611,7 @@
           <a:p>
             <a:fld id="{D997B5FA-0921-464F-AAE1-844C04324D75}" type="datetimeFigureOut">
               <a:rPr lang="zh-CN" altLang="en-US" smtClean="0"/>
-              <a:t>2018/8/6</a:t>
+              <a:t>2018/8/7</a:t>
             </a:fld>
             <a:endParaRPr lang="zh-CN" altLang="en-US"/>
           </a:p>
@@ -1717,7 +1723,7 @@
           <a:p>
             <a:fld id="{D997B5FA-0921-464F-AAE1-844C04324D75}" type="datetimeFigureOut">
               <a:rPr lang="zh-CN" altLang="en-US" smtClean="0"/>
-              <a:t>2018/8/6</a:t>
+              <a:t>2018/8/7</a:t>
             </a:fld>
             <a:endParaRPr lang="zh-CN" altLang="en-US"/>
           </a:p>
@@ -1807,7 +1813,7 @@
           <a:p>
             <a:fld id="{D997B5FA-0921-464F-AAE1-844C04324D75}" type="datetimeFigureOut">
               <a:rPr lang="zh-CN" altLang="en-US" smtClean="0"/>
-              <a:t>2018/8/6</a:t>
+              <a:t>2018/8/7</a:t>
             </a:fld>
             <a:endParaRPr lang="zh-CN" altLang="en-US"/>
           </a:p>
@@ -2077,7 +2083,7 @@
           <a:p>
             <a:fld id="{D997B5FA-0921-464F-AAE1-844C04324D75}" type="datetimeFigureOut">
               <a:rPr lang="zh-CN" altLang="en-US" smtClean="0"/>
-              <a:t>2018/8/6</a:t>
+              <a:t>2018/8/7</a:t>
             </a:fld>
             <a:endParaRPr lang="zh-CN" altLang="en-US"/>
           </a:p>
@@ -2324,7 +2330,7 @@
           <a:p>
             <a:fld id="{D997B5FA-0921-464F-AAE1-844C04324D75}" type="datetimeFigureOut">
               <a:rPr lang="zh-CN" altLang="en-US" smtClean="0"/>
-              <a:t>2018/8/6</a:t>
+              <a:t>2018/8/7</a:t>
             </a:fld>
             <a:endParaRPr lang="zh-CN" altLang="en-US"/>
           </a:p>
@@ -2530,7 +2536,7 @@
           <a:p>
             <a:fld id="{D997B5FA-0921-464F-AAE1-844C04324D75}" type="datetimeFigureOut">
               <a:rPr lang="zh-CN" altLang="en-US" smtClean="0"/>
-              <a:t>2018/8/6</a:t>
+              <a:t>2018/8/7</a:t>
             </a:fld>
             <a:endParaRPr lang="zh-CN" altLang="en-US"/>
           </a:p>
@@ -3490,15 +3496,7 @@
           <a:p>
             <a:r>
               <a:rPr lang="zh-Hans" altLang="en-US" dirty="0"/>
-              <a:t>坑点</a:t>
-            </a:r>
-            <a:r>
-              <a:rPr lang="en-US" altLang="zh-Hans" dirty="0"/>
-              <a:t>1</a:t>
-            </a:r>
-            <a:r>
-              <a:rPr lang="zh-Hans" altLang="en-US" dirty="0"/>
-              <a:t>：桌面不显示</a:t>
+              <a:t>坑点一：桌面不显示</a:t>
             </a:r>
             <a:endParaRPr lang="en-US" dirty="0"/>
           </a:p>
@@ -3572,8 +3570,12 @@
               <a:t>css</a:t>
             </a:r>
             <a:r>
+              <a:rPr lang="zh-Hans" altLang="en-US" sz="2800" dirty="0"/>
+              <a:t>层</a:t>
+            </a:r>
+            <a:r>
               <a:rPr lang="zh-CN" altLang="en-US" sz="2800" dirty="0"/>
-              <a:t>堆叠上下文有关，给用来渲染桌面的</a:t>
+              <a:t>叠上下文有关，给用来渲染桌面的</a:t>
             </a:r>
             <a:r>
               <a:rPr lang="en-US" sz="2800" dirty="0" err="1"/>
@@ -3661,8 +3663,8 @@
               <a:t>坑点</a:t>
             </a:r>
             <a:r>
-              <a:rPr lang="en-US" altLang="zh-CN" dirty="0"/>
-              <a:t>2</a:t>
+              <a:rPr lang="zh-Hans" altLang="en-US" dirty="0"/>
+              <a:t>二</a:t>
             </a:r>
             <a:r>
               <a:rPr lang="zh-CN" altLang="en-US" dirty="0"/>
@@ -3854,6 +3856,143 @@
           <p:cNvPr id="2" name="Title 1">
             <a:extLst>
               <a:ext uri="{FF2B5EF4-FFF2-40B4-BE49-F238E27FC236}">
+                <a16:creationId xmlns:a16="http://schemas.microsoft.com/office/drawing/2014/main" id="{E27B822C-292C-9046-9C4B-2AD26964A1DA}"/>
+              </a:ext>
+            </a:extLst>
+          </p:cNvPr>
+          <p:cNvSpPr>
+            <a:spLocks noGrp="1"/>
+          </p:cNvSpPr>
+          <p:nvPr>
+            <p:ph type="title"/>
+          </p:nvPr>
+        </p:nvSpPr>
+        <p:spPr/>
+        <p:txBody>
+          <a:bodyPr/>
+          <a:lstStyle/>
+          <a:p>
+            <a:r>
+              <a:rPr lang="zh-CN" altLang="en-US" dirty="0"/>
+              <a:t>坑点三</a:t>
+            </a:r>
+            <a:r>
+              <a:rPr lang="zh-Hans" altLang="en-US" dirty="0"/>
+              <a:t>：</a:t>
+            </a:r>
+            <a:r>
+              <a:rPr lang="zh-CN" altLang="en-US" dirty="0"/>
+              <a:t> 屏幕放大</a:t>
+            </a:r>
+            <a:r>
+              <a:rPr lang="en-US" altLang="zh-CN" dirty="0"/>
+              <a:t>&amp;</a:t>
+            </a:r>
+            <a:r>
+              <a:rPr lang="zh-CN" altLang="en-US" dirty="0"/>
+              <a:t>缩小 鼠标错位</a:t>
+            </a:r>
+            <a:endParaRPr lang="en-US" dirty="0"/>
+          </a:p>
+        </p:txBody>
+      </p:sp>
+      <p:pic>
+        <p:nvPicPr>
+          <p:cNvPr id="4" name="Content Placeholder 3">
+            <a:extLst>
+              <a:ext uri="{FF2B5EF4-FFF2-40B4-BE49-F238E27FC236}">
+                <a16:creationId xmlns:a16="http://schemas.microsoft.com/office/drawing/2014/main" id="{212A1008-C403-974B-82D8-84545D50193D}"/>
+              </a:ext>
+            </a:extLst>
+          </p:cNvPr>
+          <p:cNvPicPr>
+            <a:picLocks noGrp="1" noChangeAspect="1"/>
+          </p:cNvPicPr>
+          <p:nvPr>
+            <p:ph idx="1"/>
+          </p:nvPr>
+        </p:nvPicPr>
+        <p:blipFill>
+          <a:blip r:embed="rId2"/>
+          <a:stretch>
+            <a:fillRect/>
+          </a:stretch>
+        </p:blipFill>
+        <p:spPr>
+          <a:xfrm>
+            <a:off x="1433478" y="1690687"/>
+            <a:ext cx="4694948" cy="1184505"/>
+          </a:xfrm>
+          <a:prstGeom prst="rect">
+            <a:avLst/>
+          </a:prstGeom>
+        </p:spPr>
+      </p:pic>
+      <p:pic>
+        <p:nvPicPr>
+          <p:cNvPr id="5" name="Picture 4">
+            <a:extLst>
+              <a:ext uri="{FF2B5EF4-FFF2-40B4-BE49-F238E27FC236}">
+                <a16:creationId xmlns:a16="http://schemas.microsoft.com/office/drawing/2014/main" id="{DD5430AE-2BD6-6044-A33E-79F2AD38E4A8}"/>
+              </a:ext>
+            </a:extLst>
+          </p:cNvPr>
+          <p:cNvPicPr>
+            <a:picLocks noChangeAspect="1"/>
+          </p:cNvPicPr>
+          <p:nvPr/>
+        </p:nvPicPr>
+        <p:blipFill>
+          <a:blip r:embed="rId3"/>
+          <a:stretch>
+            <a:fillRect/>
+          </a:stretch>
+        </p:blipFill>
+        <p:spPr>
+          <a:xfrm>
+            <a:off x="1433478" y="2875192"/>
+            <a:ext cx="6223000" cy="1993900"/>
+          </a:xfrm>
+          <a:prstGeom prst="rect">
+            <a:avLst/>
+          </a:prstGeom>
+        </p:spPr>
+      </p:pic>
+    </p:spTree>
+    <p:extLst>
+      <p:ext uri="{BB962C8B-B14F-4D97-AF65-F5344CB8AC3E}">
+        <p14:creationId xmlns:p14="http://schemas.microsoft.com/office/powerpoint/2010/main" val="628593943"/>
+      </p:ext>
+    </p:extLst>
+  </p:cSld>
+  <p:clrMapOvr>
+    <a:masterClrMapping/>
+  </p:clrMapOvr>
+</p:sld>
+</file>
+
+<file path=ppt/slides/slide17.xml><?xml version="1.0" encoding="utf-8"?>
+<p:sld xmlns:a="http://schemas.openxmlformats.org/drawingml/2006/main" xmlns:r="http://schemas.openxmlformats.org/officeDocument/2006/relationships" xmlns:p="http://schemas.openxmlformats.org/presentationml/2006/main">
+  <p:cSld>
+    <p:spTree>
+      <p:nvGrpSpPr>
+        <p:cNvPr id="1" name=""/>
+        <p:cNvGrpSpPr/>
+        <p:nvPr/>
+      </p:nvGrpSpPr>
+      <p:grpSpPr>
+        <a:xfrm>
+          <a:off x="0" y="0"/>
+          <a:ext cx="0" cy="0"/>
+          <a:chOff x="0" y="0"/>
+          <a:chExt cx="0" cy="0"/>
+        </a:xfrm>
+      </p:grpSpPr>
+      <p:sp>
+        <p:nvSpPr>
+          <p:cNvPr id="2" name="Title 1">
+            <a:extLst>
+              <a:ext uri="{FF2B5EF4-FFF2-40B4-BE49-F238E27FC236}">
                 <a16:creationId xmlns:a16="http://schemas.microsoft.com/office/drawing/2014/main" id="{EE337E25-5CCE-1D4A-A3C7-842E2B416B25}"/>
               </a:ext>
             </a:extLst>
@@ -3872,7 +4011,15 @@
           <a:p>
             <a:r>
               <a:rPr lang="zh-CN" altLang="en-US" dirty="0"/>
-              <a:t>坑点三：</a:t>
+              <a:t>坑点</a:t>
+            </a:r>
+            <a:r>
+              <a:rPr lang="zh-Hans" altLang="en-US" dirty="0"/>
+              <a:t>四</a:t>
+            </a:r>
+            <a:r>
+              <a:rPr lang="zh-CN" altLang="en-US" dirty="0"/>
+              <a:t>：</a:t>
             </a:r>
             <a:r>
               <a:rPr lang="en-US" dirty="0"/>
@@ -3979,6 +4126,174 @@
     <p:extLst>
       <p:ext uri="{BB962C8B-B14F-4D97-AF65-F5344CB8AC3E}">
         <p14:creationId xmlns:p14="http://schemas.microsoft.com/office/powerpoint/2010/main" val="482712184"/>
+      </p:ext>
+    </p:extLst>
+  </p:cSld>
+  <p:clrMapOvr>
+    <a:masterClrMapping/>
+  </p:clrMapOvr>
+</p:sld>
+</file>
+
+<file path=ppt/slides/slide18.xml><?xml version="1.0" encoding="utf-8"?>
+<p:sld xmlns:a="http://schemas.openxmlformats.org/drawingml/2006/main" xmlns:r="http://schemas.openxmlformats.org/officeDocument/2006/relationships" xmlns:p="http://schemas.openxmlformats.org/presentationml/2006/main">
+  <p:cSld>
+    <p:spTree>
+      <p:nvGrpSpPr>
+        <p:cNvPr id="1" name=""/>
+        <p:cNvGrpSpPr/>
+        <p:nvPr/>
+      </p:nvGrpSpPr>
+      <p:grpSpPr>
+        <a:xfrm>
+          <a:off x="0" y="0"/>
+          <a:ext cx="0" cy="0"/>
+          <a:chOff x="0" y="0"/>
+          <a:chExt cx="0" cy="0"/>
+        </a:xfrm>
+      </p:grpSpPr>
+      <p:sp>
+        <p:nvSpPr>
+          <p:cNvPr id="2" name="Title 1">
+            <a:extLst>
+              <a:ext uri="{FF2B5EF4-FFF2-40B4-BE49-F238E27FC236}">
+                <a16:creationId xmlns:a16="http://schemas.microsoft.com/office/drawing/2014/main" id="{141B2C14-AED3-5447-9DD6-BFB5D291D166}"/>
+              </a:ext>
+            </a:extLst>
+          </p:cNvPr>
+          <p:cNvSpPr>
+            <a:spLocks noGrp="1"/>
+          </p:cNvSpPr>
+          <p:nvPr>
+            <p:ph type="title"/>
+          </p:nvPr>
+        </p:nvSpPr>
+        <p:spPr/>
+        <p:txBody>
+          <a:bodyPr/>
+          <a:lstStyle/>
+          <a:p>
+            <a:endParaRPr lang="en-US" dirty="0"/>
+          </a:p>
+        </p:txBody>
+      </p:sp>
+      <p:sp>
+        <p:nvSpPr>
+          <p:cNvPr id="3" name="Content Placeholder 2">
+            <a:extLst>
+              <a:ext uri="{FF2B5EF4-FFF2-40B4-BE49-F238E27FC236}">
+                <a16:creationId xmlns:a16="http://schemas.microsoft.com/office/drawing/2014/main" id="{AD9C437E-4F3F-744B-9E26-6B3695E0ACF1}"/>
+              </a:ext>
+            </a:extLst>
+          </p:cNvPr>
+          <p:cNvSpPr>
+            <a:spLocks noGrp="1"/>
+          </p:cNvSpPr>
+          <p:nvPr>
+            <p:ph idx="1"/>
+          </p:nvPr>
+        </p:nvSpPr>
+        <p:spPr/>
+        <p:txBody>
+          <a:bodyPr/>
+          <a:lstStyle/>
+          <a:p>
+            <a:r>
+              <a:rPr lang="zh-Hans" altLang="en-US" dirty="0"/>
+              <a:t>录影档回放大文件时，拖动滚动条页面卡死</a:t>
+            </a:r>
+            <a:endParaRPr lang="en-US" dirty="0"/>
+          </a:p>
+        </p:txBody>
+      </p:sp>
+    </p:spTree>
+    <p:extLst>
+      <p:ext uri="{BB962C8B-B14F-4D97-AF65-F5344CB8AC3E}">
+        <p14:creationId xmlns:p14="http://schemas.microsoft.com/office/powerpoint/2010/main" val="2453237586"/>
+      </p:ext>
+    </p:extLst>
+  </p:cSld>
+  <p:clrMapOvr>
+    <a:masterClrMapping/>
+  </p:clrMapOvr>
+</p:sld>
+</file>
+
+<file path=ppt/slides/slide19.xml><?xml version="1.0" encoding="utf-8"?>
+<p:sld xmlns:a="http://schemas.openxmlformats.org/drawingml/2006/main" xmlns:r="http://schemas.openxmlformats.org/officeDocument/2006/relationships" xmlns:p="http://schemas.openxmlformats.org/presentationml/2006/main">
+  <p:cSld>
+    <p:spTree>
+      <p:nvGrpSpPr>
+        <p:cNvPr id="1" name=""/>
+        <p:cNvGrpSpPr/>
+        <p:nvPr/>
+      </p:nvGrpSpPr>
+      <p:grpSpPr>
+        <a:xfrm>
+          <a:off x="0" y="0"/>
+          <a:ext cx="0" cy="0"/>
+          <a:chOff x="0" y="0"/>
+          <a:chExt cx="0" cy="0"/>
+        </a:xfrm>
+      </p:grpSpPr>
+      <p:sp>
+        <p:nvSpPr>
+          <p:cNvPr id="2" name="Title 1">
+            <a:extLst>
+              <a:ext uri="{FF2B5EF4-FFF2-40B4-BE49-F238E27FC236}">
+                <a16:creationId xmlns:a16="http://schemas.microsoft.com/office/drawing/2014/main" id="{D5E6CD37-3CB9-8B46-94E5-8314334FCE09}"/>
+              </a:ext>
+            </a:extLst>
+          </p:cNvPr>
+          <p:cNvSpPr>
+            <a:spLocks noGrp="1"/>
+          </p:cNvSpPr>
+          <p:nvPr>
+            <p:ph type="title"/>
+          </p:nvPr>
+        </p:nvSpPr>
+        <p:spPr/>
+        <p:txBody>
+          <a:bodyPr/>
+          <a:lstStyle/>
+          <a:p>
+            <a:r>
+              <a:rPr lang="zh-Hans" altLang="en-US" dirty="0"/>
+              <a:t>不足</a:t>
+            </a:r>
+            <a:endParaRPr lang="en-US" dirty="0"/>
+          </a:p>
+        </p:txBody>
+      </p:sp>
+      <p:sp>
+        <p:nvSpPr>
+          <p:cNvPr id="3" name="Content Placeholder 2">
+            <a:extLst>
+              <a:ext uri="{FF2B5EF4-FFF2-40B4-BE49-F238E27FC236}">
+                <a16:creationId xmlns:a16="http://schemas.microsoft.com/office/drawing/2014/main" id="{4147111D-E4BB-5B42-AB29-3D9DB3F4F532}"/>
+              </a:ext>
+            </a:extLst>
+          </p:cNvPr>
+          <p:cNvSpPr>
+            <a:spLocks noGrp="1"/>
+          </p:cNvSpPr>
+          <p:nvPr>
+            <p:ph idx="1"/>
+          </p:nvPr>
+        </p:nvSpPr>
+        <p:spPr/>
+        <p:txBody>
+          <a:bodyPr/>
+          <a:lstStyle/>
+          <a:p>
+            <a:endParaRPr lang="en-US"/>
+          </a:p>
+        </p:txBody>
+      </p:sp>
+    </p:spTree>
+    <p:extLst>
+      <p:ext uri="{BB962C8B-B14F-4D97-AF65-F5344CB8AC3E}">
+        <p14:creationId xmlns:p14="http://schemas.microsoft.com/office/powerpoint/2010/main" val="3122926727"/>
       </p:ext>
     </p:extLst>
   </p:cSld>
